--- a/0090_ber/rtl/schematic/button_ctrl.pptx
+++ b/0090_ber/rtl/schematic/button_ctrl.pptx
@@ -197,7 +197,7 @@
           <a:p>
             <a:fld id="{B9E5BF02-4A65-43B2-AA51-912306618617}" type="datetimeFigureOut">
               <a:rPr lang="en-US" smtClean="0"/>
-              <a:t>10/6/2017</a:t>
+              <a:t>10/10/2017</a:t>
             </a:fld>
             <a:endParaRPr lang="en-US"/>
           </a:p>
@@ -685,7 +685,7 @@
           <a:p>
             <a:fld id="{F8F920B2-3E99-4C9D-9450-62A3DEC5476B}" type="datetimeFigureOut">
               <a:rPr lang="en-US" smtClean="0"/>
-              <a:t>10/6/2017</a:t>
+              <a:t>10/10/2017</a:t>
             </a:fld>
             <a:endParaRPr lang="en-US"/>
           </a:p>
@@ -855,7 +855,7 @@
           <a:p>
             <a:fld id="{F8F920B2-3E99-4C9D-9450-62A3DEC5476B}" type="datetimeFigureOut">
               <a:rPr lang="en-US" smtClean="0"/>
-              <a:t>10/6/2017</a:t>
+              <a:t>10/10/2017</a:t>
             </a:fld>
             <a:endParaRPr lang="en-US"/>
           </a:p>
@@ -1035,7 +1035,7 @@
           <a:p>
             <a:fld id="{F8F920B2-3E99-4C9D-9450-62A3DEC5476B}" type="datetimeFigureOut">
               <a:rPr lang="en-US" smtClean="0"/>
-              <a:t>10/6/2017</a:t>
+              <a:t>10/10/2017</a:t>
             </a:fld>
             <a:endParaRPr lang="en-US"/>
           </a:p>
@@ -1205,7 +1205,7 @@
           <a:p>
             <a:fld id="{F8F920B2-3E99-4C9D-9450-62A3DEC5476B}" type="datetimeFigureOut">
               <a:rPr lang="en-US" smtClean="0"/>
-              <a:t>10/6/2017</a:t>
+              <a:t>10/10/2017</a:t>
             </a:fld>
             <a:endParaRPr lang="en-US"/>
           </a:p>
@@ -1449,7 +1449,7 @@
           <a:p>
             <a:fld id="{F8F920B2-3E99-4C9D-9450-62A3DEC5476B}" type="datetimeFigureOut">
               <a:rPr lang="en-US" smtClean="0"/>
-              <a:t>10/6/2017</a:t>
+              <a:t>10/10/2017</a:t>
             </a:fld>
             <a:endParaRPr lang="en-US"/>
           </a:p>
@@ -1681,7 +1681,7 @@
           <a:p>
             <a:fld id="{F8F920B2-3E99-4C9D-9450-62A3DEC5476B}" type="datetimeFigureOut">
               <a:rPr lang="en-US" smtClean="0"/>
-              <a:t>10/6/2017</a:t>
+              <a:t>10/10/2017</a:t>
             </a:fld>
             <a:endParaRPr lang="en-US"/>
           </a:p>
@@ -2048,7 +2048,7 @@
           <a:p>
             <a:fld id="{F8F920B2-3E99-4C9D-9450-62A3DEC5476B}" type="datetimeFigureOut">
               <a:rPr lang="en-US" smtClean="0"/>
-              <a:t>10/6/2017</a:t>
+              <a:t>10/10/2017</a:t>
             </a:fld>
             <a:endParaRPr lang="en-US"/>
           </a:p>
@@ -2166,7 +2166,7 @@
           <a:p>
             <a:fld id="{F8F920B2-3E99-4C9D-9450-62A3DEC5476B}" type="datetimeFigureOut">
               <a:rPr lang="en-US" smtClean="0"/>
-              <a:t>10/6/2017</a:t>
+              <a:t>10/10/2017</a:t>
             </a:fld>
             <a:endParaRPr lang="en-US"/>
           </a:p>
@@ -2261,7 +2261,7 @@
           <a:p>
             <a:fld id="{F8F920B2-3E99-4C9D-9450-62A3DEC5476B}" type="datetimeFigureOut">
               <a:rPr lang="en-US" smtClean="0"/>
-              <a:t>10/6/2017</a:t>
+              <a:t>10/10/2017</a:t>
             </a:fld>
             <a:endParaRPr lang="en-US"/>
           </a:p>
@@ -2538,7 +2538,7 @@
           <a:p>
             <a:fld id="{F8F920B2-3E99-4C9D-9450-62A3DEC5476B}" type="datetimeFigureOut">
               <a:rPr lang="en-US" smtClean="0"/>
-              <a:t>10/6/2017</a:t>
+              <a:t>10/10/2017</a:t>
             </a:fld>
             <a:endParaRPr lang="en-US"/>
           </a:p>
@@ -2795,7 +2795,7 @@
           <a:p>
             <a:fld id="{F8F920B2-3E99-4C9D-9450-62A3DEC5476B}" type="datetimeFigureOut">
               <a:rPr lang="en-US" smtClean="0"/>
-              <a:t>10/6/2017</a:t>
+              <a:t>10/10/2017</a:t>
             </a:fld>
             <a:endParaRPr lang="en-US"/>
           </a:p>
@@ -3008,7 +3008,7 @@
           <a:p>
             <a:fld id="{F8F920B2-3E99-4C9D-9450-62A3DEC5476B}" type="datetimeFigureOut">
               <a:rPr lang="en-US" smtClean="0"/>
-              <a:t>10/6/2017</a:t>
+              <a:t>10/10/2017</a:t>
             </a:fld>
             <a:endParaRPr lang="en-US"/>
           </a:p>
@@ -5280,210 +5280,18 @@
                 <a:latin typeface="Courier New" panose="02070309020205020404" pitchFamily="49" charset="0"/>
                 <a:cs typeface="Courier New" panose="02070309020205020404" pitchFamily="49" charset="0"/>
               </a:rPr>
-              <a:t>   btn1_d1 &amp;&amp; btn2_fall</a:t>
-            </a:r>
-          </a:p>
-          <a:p>
-            <a:r>
-              <a:rPr lang="en-US" sz="900" dirty="0">
+              <a:t>   </a:t>
+            </a:r>
+            <a:r>
+              <a:rPr lang="en-US" sz="900" dirty="0" smtClean="0">
                 <a:solidFill>
                   <a:srgbClr val="000000"/>
                 </a:solidFill>
                 <a:latin typeface="Courier New" panose="02070309020205020404" pitchFamily="49" charset="0"/>
                 <a:cs typeface="Courier New" panose="02070309020205020404" pitchFamily="49" charset="0"/>
               </a:rPr>
-              <a:t>|| btn2_d1 &amp;&amp; btn1_fall</a:t>
-            </a:r>
-          </a:p>
-        </p:txBody>
-      </p:sp>
-      <p:cxnSp>
-        <p:nvCxnSpPr>
-          <p:cNvPr id="1169" name="Straight Connector 1168"/>
-          <p:cNvCxnSpPr/>
-          <p:nvPr/>
-        </p:nvCxnSpPr>
-        <p:spPr>
-          <a:xfrm>
-            <a:off x="8077201" y="3276612"/>
-            <a:ext cx="0" cy="152399"/>
-          </a:xfrm>
-          <a:prstGeom prst="line">
-            <a:avLst/>
-          </a:prstGeom>
-          <a:ln w="12700">
-            <a:solidFill>
-              <a:srgbClr val="000000"/>
-            </a:solidFill>
-            <a:headEnd type="none" w="med" len="med"/>
-            <a:tailEnd type="triangle" w="med" len="med"/>
-          </a:ln>
-        </p:spPr>
-        <p:style>
-          <a:lnRef idx="1">
-            <a:schemeClr val="accent1"/>
-          </a:lnRef>
-          <a:fillRef idx="0">
-            <a:schemeClr val="accent1"/>
-          </a:fillRef>
-          <a:effectRef idx="0">
-            <a:schemeClr val="accent1"/>
-          </a:effectRef>
-          <a:fontRef idx="minor">
-            <a:schemeClr val="tx1"/>
-          </a:fontRef>
-        </p:style>
-      </p:cxnSp>
-      <p:cxnSp>
-        <p:nvCxnSpPr>
-          <p:cNvPr id="1170" name="Straight Connector 1169"/>
-          <p:cNvCxnSpPr/>
-          <p:nvPr/>
-        </p:nvCxnSpPr>
-        <p:spPr>
-          <a:xfrm>
-            <a:off x="8153407" y="3505207"/>
-            <a:ext cx="152399" cy="0"/>
-          </a:xfrm>
-          <a:prstGeom prst="line">
-            <a:avLst/>
-          </a:prstGeom>
-          <a:ln w="12700">
-            <a:solidFill>
-              <a:srgbClr val="000000"/>
-            </a:solidFill>
-            <a:headEnd type="none" w="med" len="med"/>
-            <a:tailEnd type="none" w="med" len="med"/>
-          </a:ln>
-        </p:spPr>
-        <p:style>
-          <a:lnRef idx="1">
-            <a:schemeClr val="accent1"/>
-          </a:lnRef>
-          <a:fillRef idx="0">
-            <a:schemeClr val="accent1"/>
-          </a:fillRef>
-          <a:effectRef idx="0">
-            <a:schemeClr val="accent1"/>
-          </a:effectRef>
-          <a:fontRef idx="minor">
-            <a:schemeClr val="tx1"/>
-          </a:fontRef>
-        </p:style>
-      </p:cxnSp>
-      <p:cxnSp>
-        <p:nvCxnSpPr>
-          <p:cNvPr id="1171" name="Straight Connector 1170"/>
-          <p:cNvCxnSpPr/>
-          <p:nvPr/>
-        </p:nvCxnSpPr>
-        <p:spPr>
-          <a:xfrm flipV="1">
-            <a:off x="8305801" y="3276607"/>
-            <a:ext cx="0" cy="228600"/>
-          </a:xfrm>
-          <a:prstGeom prst="line">
-            <a:avLst/>
-          </a:prstGeom>
-          <a:ln w="12700">
-            <a:solidFill>
-              <a:srgbClr val="000000"/>
-            </a:solidFill>
-            <a:headEnd type="none" w="med" len="med"/>
-            <a:tailEnd type="none" w="med" len="med"/>
-          </a:ln>
-        </p:spPr>
-        <p:style>
-          <a:lnRef idx="1">
-            <a:schemeClr val="accent1"/>
-          </a:lnRef>
-          <a:fillRef idx="0">
-            <a:schemeClr val="accent1"/>
-          </a:fillRef>
-          <a:effectRef idx="0">
-            <a:schemeClr val="accent1"/>
-          </a:effectRef>
-          <a:fontRef idx="minor">
-            <a:schemeClr val="tx1"/>
-          </a:fontRef>
-        </p:style>
-      </p:cxnSp>
-      <p:cxnSp>
-        <p:nvCxnSpPr>
-          <p:cNvPr id="1172" name="Straight Connector 1171"/>
-          <p:cNvCxnSpPr/>
-          <p:nvPr/>
-        </p:nvCxnSpPr>
-        <p:spPr>
-          <a:xfrm flipH="1">
-            <a:off x="8077201" y="3276607"/>
-            <a:ext cx="228600" cy="0"/>
-          </a:xfrm>
-          <a:prstGeom prst="line">
-            <a:avLst/>
-          </a:prstGeom>
-          <a:ln w="12700">
-            <a:solidFill>
-              <a:srgbClr val="000000"/>
-            </a:solidFill>
-            <a:headEnd type="none" w="med" len="med"/>
-            <a:tailEnd type="none" w="med" len="med"/>
-          </a:ln>
-        </p:spPr>
-        <p:style>
-          <a:lnRef idx="1">
-            <a:schemeClr val="accent1"/>
-          </a:lnRef>
-          <a:fillRef idx="0">
-            <a:schemeClr val="accent1"/>
-          </a:fillRef>
-          <a:effectRef idx="0">
-            <a:schemeClr val="accent1"/>
-          </a:effectRef>
-          <a:fontRef idx="minor">
-            <a:schemeClr val="tx1"/>
-          </a:fontRef>
-        </p:style>
-      </p:cxnSp>
-      <p:sp>
-        <p:nvSpPr>
-          <p:cNvPr id="1173" name="Rectangle 1172"/>
-          <p:cNvSpPr/>
-          <p:nvPr/>
-        </p:nvSpPr>
-        <p:spPr>
-          <a:xfrm>
-            <a:off x="8153402" y="3124212"/>
-            <a:ext cx="457200" cy="152399"/>
-          </a:xfrm>
-          <a:prstGeom prst="rect">
-            <a:avLst/>
-          </a:prstGeom>
-          <a:noFill/>
-          <a:ln>
-            <a:noFill/>
-          </a:ln>
-        </p:spPr>
-        <p:style>
-          <a:lnRef idx="2">
-            <a:schemeClr val="accent1">
-              <a:shade val="50000"/>
-            </a:schemeClr>
-          </a:lnRef>
-          <a:fillRef idx="1">
-            <a:schemeClr val="accent1"/>
-          </a:fillRef>
-          <a:effectRef idx="0">
-            <a:schemeClr val="accent1"/>
-          </a:effectRef>
-          <a:fontRef idx="minor">
-            <a:schemeClr val="lt1"/>
-          </a:fontRef>
-        </p:style>
-        <p:txBody>
-          <a:bodyPr wrap="none" lIns="45720" rIns="45720" rtlCol="0" anchor="ctr"/>
-          <a:lstStyle/>
-          <a:p>
+              <a:t>!bt1 </a:t>
+            </a:r>
             <a:r>
               <a:rPr lang="en-US" sz="900" dirty="0">
                 <a:solidFill>
@@ -5492,660 +5300,17 @@
                 <a:latin typeface="Courier New" panose="02070309020205020404" pitchFamily="49" charset="0"/>
                 <a:cs typeface="Courier New" panose="02070309020205020404" pitchFamily="49" charset="0"/>
               </a:rPr>
-              <a:t>else</a:t>
-            </a:r>
-          </a:p>
-        </p:txBody>
-      </p:sp>
-      <p:cxnSp>
-        <p:nvCxnSpPr>
-          <p:cNvPr id="1174" name="Straight Connector 1173"/>
-          <p:cNvCxnSpPr/>
-          <p:nvPr/>
-        </p:nvCxnSpPr>
-        <p:spPr>
-          <a:xfrm flipH="1">
-            <a:off x="7086607" y="3581405"/>
-            <a:ext cx="152399" cy="0"/>
-          </a:xfrm>
-          <a:prstGeom prst="line">
-            <a:avLst/>
-          </a:prstGeom>
-          <a:ln w="12700">
-            <a:solidFill>
-              <a:srgbClr val="000000"/>
-            </a:solidFill>
-            <a:headEnd type="none" w="med" len="med"/>
-            <a:tailEnd type="none" w="med" len="med"/>
-          </a:ln>
-        </p:spPr>
-        <p:style>
-          <a:lnRef idx="1">
-            <a:schemeClr val="accent1"/>
-          </a:lnRef>
-          <a:fillRef idx="0">
-            <a:schemeClr val="accent1"/>
-          </a:fillRef>
-          <a:effectRef idx="0">
-            <a:schemeClr val="accent1"/>
-          </a:effectRef>
-          <a:fontRef idx="minor">
-            <a:schemeClr val="tx1"/>
-          </a:fontRef>
-        </p:style>
-      </p:cxnSp>
-      <p:cxnSp>
-        <p:nvCxnSpPr>
-          <p:cNvPr id="1175" name="Straight Connector 1174"/>
-          <p:cNvCxnSpPr/>
-          <p:nvPr/>
-        </p:nvCxnSpPr>
-        <p:spPr>
-          <a:xfrm>
-            <a:off x="7086607" y="2514606"/>
-            <a:ext cx="152399" cy="0"/>
-          </a:xfrm>
-          <a:prstGeom prst="line">
-            <a:avLst/>
-          </a:prstGeom>
-          <a:ln w="12700">
-            <a:solidFill>
-              <a:srgbClr val="000000"/>
-            </a:solidFill>
-            <a:headEnd type="none" w="med" len="med"/>
-            <a:tailEnd type="triangle" w="med" len="med"/>
-          </a:ln>
-        </p:spPr>
-        <p:style>
-          <a:lnRef idx="1">
-            <a:schemeClr val="accent1"/>
-          </a:lnRef>
-          <a:fillRef idx="0">
-            <a:schemeClr val="accent1"/>
-          </a:fillRef>
-          <a:effectRef idx="0">
-            <a:schemeClr val="accent1"/>
-          </a:effectRef>
-          <a:fontRef idx="minor">
-            <a:schemeClr val="tx1"/>
-          </a:fontRef>
-        </p:style>
-      </p:cxnSp>
-      <p:cxnSp>
-        <p:nvCxnSpPr>
-          <p:cNvPr id="1176" name="Straight Connector 1175"/>
-          <p:cNvCxnSpPr/>
-          <p:nvPr/>
-        </p:nvCxnSpPr>
-        <p:spPr>
-          <a:xfrm flipV="1">
-            <a:off x="7086600" y="2514611"/>
-            <a:ext cx="0" cy="1066799"/>
-          </a:xfrm>
-          <a:prstGeom prst="line">
-            <a:avLst/>
-          </a:prstGeom>
-          <a:ln w="12700">
-            <a:solidFill>
-              <a:srgbClr val="000000"/>
-            </a:solidFill>
-            <a:headEnd type="none" w="med" len="med"/>
-            <a:tailEnd type="none" w="med" len="med"/>
-          </a:ln>
-        </p:spPr>
-        <p:style>
-          <a:lnRef idx="1">
-            <a:schemeClr val="accent1"/>
-          </a:lnRef>
-          <a:fillRef idx="0">
-            <a:schemeClr val="accent1"/>
-          </a:fillRef>
-          <a:effectRef idx="0">
-            <a:schemeClr val="accent1"/>
-          </a:effectRef>
-          <a:fontRef idx="minor">
-            <a:schemeClr val="tx1"/>
-          </a:fontRef>
-        </p:style>
-      </p:cxnSp>
-      <p:sp>
-        <p:nvSpPr>
-          <p:cNvPr id="1177" name="Rectangle 1176"/>
-          <p:cNvSpPr/>
-          <p:nvPr/>
-        </p:nvSpPr>
-        <p:spPr>
-          <a:xfrm>
-            <a:off x="5791201" y="2895612"/>
-            <a:ext cx="457200" cy="152399"/>
-          </a:xfrm>
-          <a:prstGeom prst="rect">
-            <a:avLst/>
-          </a:prstGeom>
-          <a:noFill/>
-          <a:ln>
-            <a:noFill/>
-          </a:ln>
-        </p:spPr>
-        <p:style>
-          <a:lnRef idx="2">
-            <a:schemeClr val="accent1">
-              <a:shade val="50000"/>
-            </a:schemeClr>
-          </a:lnRef>
-          <a:fillRef idx="1">
-            <a:schemeClr val="accent1"/>
-          </a:fillRef>
-          <a:effectRef idx="0">
-            <a:schemeClr val="accent1"/>
-          </a:effectRef>
-          <a:fontRef idx="minor">
-            <a:schemeClr val="lt1"/>
-          </a:fontRef>
-        </p:style>
-        <p:txBody>
-          <a:bodyPr wrap="none" lIns="45720" rIns="45720" rtlCol="0" anchor="ctr"/>
-          <a:lstStyle/>
-          <a:p>
-            <a:r>
-              <a:rPr lang="en-US" sz="900" dirty="0">
+              <a:t>&amp;&amp; </a:t>
+            </a:r>
+            <a:r>
+              <a:rPr lang="en-US" sz="900" dirty="0" smtClean="0">
                 <a:solidFill>
                   <a:srgbClr val="000000"/>
                 </a:solidFill>
                 <a:latin typeface="Courier New" panose="02070309020205020404" pitchFamily="49" charset="0"/>
                 <a:cs typeface="Courier New" panose="02070309020205020404" pitchFamily="49" charset="0"/>
               </a:rPr>
-              <a:t>!btn1_d1 &amp;&amp; !btn2</a:t>
-            </a:r>
-          </a:p>
-        </p:txBody>
-      </p:sp>
-      <p:sp>
-        <p:nvSpPr>
-          <p:cNvPr id="1182" name="Rectangle 1181"/>
-          <p:cNvSpPr/>
-          <p:nvPr/>
-        </p:nvSpPr>
-        <p:spPr>
-          <a:xfrm>
-            <a:off x="5638805" y="1143023"/>
-            <a:ext cx="304801" cy="304792"/>
-          </a:xfrm>
-          <a:prstGeom prst="rect">
-            <a:avLst/>
-          </a:prstGeom>
-          <a:noFill/>
-          <a:ln w="12700">
-            <a:solidFill>
-              <a:srgbClr val="000000"/>
-            </a:solidFill>
-          </a:ln>
-        </p:spPr>
-        <p:style>
-          <a:lnRef idx="2">
-            <a:schemeClr val="accent1">
-              <a:shade val="50000"/>
-            </a:schemeClr>
-          </a:lnRef>
-          <a:fillRef idx="1">
-            <a:schemeClr val="accent1"/>
-          </a:fillRef>
-          <a:effectRef idx="0">
-            <a:schemeClr val="accent1"/>
-          </a:effectRef>
-          <a:fontRef idx="minor">
-            <a:schemeClr val="lt1"/>
-          </a:fontRef>
-        </p:style>
-        <p:txBody>
-          <a:bodyPr rtlCol="0" anchor="ctr"/>
-          <a:lstStyle/>
-          <a:p>
-            <a:pPr algn="ctr"/>
-            <a:endParaRPr lang="en-US" sz="3729"/>
-          </a:p>
-        </p:txBody>
-      </p:sp>
-      <p:cxnSp>
-        <p:nvCxnSpPr>
-          <p:cNvPr id="1183" name="Straight Connector 1182"/>
-          <p:cNvCxnSpPr/>
-          <p:nvPr/>
-        </p:nvCxnSpPr>
-        <p:spPr>
-          <a:xfrm flipV="1">
-            <a:off x="5715005" y="1371571"/>
-            <a:ext cx="76201" cy="76201"/>
-          </a:xfrm>
-          <a:prstGeom prst="line">
-            <a:avLst/>
-          </a:prstGeom>
-          <a:ln w="12700">
-            <a:solidFill>
-              <a:srgbClr val="000000"/>
-            </a:solidFill>
-          </a:ln>
-        </p:spPr>
-        <p:style>
-          <a:lnRef idx="1">
-            <a:schemeClr val="accent1"/>
-          </a:lnRef>
-          <a:fillRef idx="0">
-            <a:schemeClr val="accent1"/>
-          </a:fillRef>
-          <a:effectRef idx="0">
-            <a:schemeClr val="accent1"/>
-          </a:effectRef>
-          <a:fontRef idx="minor">
-            <a:schemeClr val="tx1"/>
-          </a:fontRef>
-        </p:style>
-      </p:cxnSp>
-      <p:cxnSp>
-        <p:nvCxnSpPr>
-          <p:cNvPr id="1184" name="Straight Connector 1183"/>
-          <p:cNvCxnSpPr/>
-          <p:nvPr/>
-        </p:nvCxnSpPr>
-        <p:spPr>
-          <a:xfrm flipH="1" flipV="1">
-            <a:off x="5791206" y="1371571"/>
-            <a:ext cx="76201" cy="76201"/>
-          </a:xfrm>
-          <a:prstGeom prst="line">
-            <a:avLst/>
-          </a:prstGeom>
-          <a:ln w="12700">
-            <a:solidFill>
-              <a:srgbClr val="000000"/>
-            </a:solidFill>
-          </a:ln>
-        </p:spPr>
-        <p:style>
-          <a:lnRef idx="1">
-            <a:schemeClr val="accent1"/>
-          </a:lnRef>
-          <a:fillRef idx="0">
-            <a:schemeClr val="accent1"/>
-          </a:fillRef>
-          <a:effectRef idx="0">
-            <a:schemeClr val="accent1"/>
-          </a:effectRef>
-          <a:fontRef idx="minor">
-            <a:schemeClr val="tx1"/>
-          </a:fontRef>
-        </p:style>
-      </p:cxnSp>
-      <p:sp>
-        <p:nvSpPr>
-          <p:cNvPr id="1185" name="Rectangle 1184"/>
-          <p:cNvSpPr/>
-          <p:nvPr/>
-        </p:nvSpPr>
-        <p:spPr>
-          <a:xfrm>
-            <a:off x="5715006" y="1142981"/>
-            <a:ext cx="152399" cy="152399"/>
-          </a:xfrm>
-          <a:prstGeom prst="rect">
-            <a:avLst/>
-          </a:prstGeom>
-          <a:noFill/>
-          <a:ln>
-            <a:noFill/>
-          </a:ln>
-        </p:spPr>
-        <p:style>
-          <a:lnRef idx="2">
-            <a:schemeClr val="accent1">
-              <a:shade val="50000"/>
-            </a:schemeClr>
-          </a:lnRef>
-          <a:fillRef idx="1">
-            <a:schemeClr val="accent1"/>
-          </a:fillRef>
-          <a:effectRef idx="0">
-            <a:schemeClr val="accent1"/>
-          </a:effectRef>
-          <a:fontRef idx="minor">
-            <a:schemeClr val="lt1"/>
-          </a:fontRef>
-        </p:style>
-        <p:txBody>
-          <a:bodyPr wrap="none" lIns="45720" rIns="45720" rtlCol="0" anchor="ctr"/>
-          <a:lstStyle/>
-          <a:p>
-            <a:pPr algn="ctr"/>
-            <a:r>
-              <a:rPr lang="en-US" sz="900" dirty="0">
-                <a:solidFill>
-                  <a:srgbClr val="000000"/>
-                </a:solidFill>
-                <a:latin typeface="Courier New" panose="02070309020205020404" pitchFamily="49" charset="0"/>
-                <a:cs typeface="Courier New" panose="02070309020205020404" pitchFamily="49" charset="0"/>
-              </a:rPr>
-              <a:t>R</a:t>
-            </a:r>
-          </a:p>
-        </p:txBody>
-      </p:sp>
-      <p:cxnSp>
-        <p:nvCxnSpPr>
-          <p:cNvPr id="1186" name="Straight Connector 1185"/>
-          <p:cNvCxnSpPr/>
-          <p:nvPr/>
-        </p:nvCxnSpPr>
-        <p:spPr>
-          <a:xfrm flipV="1">
-            <a:off x="6019806" y="1142981"/>
-            <a:ext cx="152399" cy="152399"/>
-          </a:xfrm>
-          <a:prstGeom prst="line">
-            <a:avLst/>
-          </a:prstGeom>
-          <a:ln w="12700">
-            <a:solidFill>
-              <a:srgbClr val="000000"/>
-            </a:solidFill>
-            <a:headEnd type="none" w="med" len="med"/>
-            <a:tailEnd type="none" w="med" len="med"/>
-          </a:ln>
-        </p:spPr>
-        <p:style>
-          <a:lnRef idx="1">
-            <a:schemeClr val="accent1"/>
-          </a:lnRef>
-          <a:fillRef idx="0">
-            <a:schemeClr val="accent1"/>
-          </a:fillRef>
-          <a:effectRef idx="0">
-            <a:schemeClr val="accent1"/>
-          </a:effectRef>
-          <a:fontRef idx="minor">
-            <a:schemeClr val="tx1"/>
-          </a:fontRef>
-        </p:style>
-      </p:cxnSp>
-      <p:sp>
-        <p:nvSpPr>
-          <p:cNvPr id="1187" name="Rectangle 1186"/>
-          <p:cNvSpPr/>
-          <p:nvPr/>
-        </p:nvSpPr>
-        <p:spPr>
-          <a:xfrm>
-            <a:off x="6019806" y="1066780"/>
-            <a:ext cx="152399" cy="76201"/>
-          </a:xfrm>
-          <a:prstGeom prst="rect">
-            <a:avLst/>
-          </a:prstGeom>
-          <a:noFill/>
-          <a:ln>
-            <a:noFill/>
-          </a:ln>
-        </p:spPr>
-        <p:style>
-          <a:lnRef idx="2">
-            <a:schemeClr val="accent1">
-              <a:shade val="50000"/>
-            </a:schemeClr>
-          </a:lnRef>
-          <a:fillRef idx="1">
-            <a:schemeClr val="accent1"/>
-          </a:fillRef>
-          <a:effectRef idx="0">
-            <a:schemeClr val="accent1"/>
-          </a:effectRef>
-          <a:fontRef idx="minor">
-            <a:schemeClr val="lt1"/>
-          </a:fontRef>
-        </p:style>
-        <p:txBody>
-          <a:bodyPr wrap="none" lIns="45720" rIns="45720" rtlCol="0" anchor="ctr"/>
-          <a:lstStyle/>
-          <a:p>
-            <a:pPr algn="ctr"/>
-            <a:r>
-              <a:rPr lang="en-US" sz="900" dirty="0">
-                <a:solidFill>
-                  <a:srgbClr val="000000"/>
-                </a:solidFill>
-                <a:latin typeface="Courier New" panose="02070309020205020404" pitchFamily="49" charset="0"/>
-                <a:cs typeface="Courier New" panose="02070309020205020404" pitchFamily="49" charset="0"/>
-              </a:rPr>
-              <a:t>1</a:t>
-            </a:r>
-          </a:p>
-        </p:txBody>
-      </p:sp>
-      <p:sp>
-        <p:nvSpPr>
-          <p:cNvPr id="1188" name="Rectangle 1187"/>
-          <p:cNvSpPr/>
-          <p:nvPr/>
-        </p:nvSpPr>
-        <p:spPr>
-          <a:xfrm>
-            <a:off x="5943600" y="762011"/>
-            <a:ext cx="457200" cy="152399"/>
-          </a:xfrm>
-          <a:prstGeom prst="rect">
-            <a:avLst/>
-          </a:prstGeom>
-          <a:noFill/>
-          <a:ln>
-            <a:noFill/>
-          </a:ln>
-        </p:spPr>
-        <p:style>
-          <a:lnRef idx="2">
-            <a:schemeClr val="accent1">
-              <a:shade val="50000"/>
-            </a:schemeClr>
-          </a:lnRef>
-          <a:fillRef idx="1">
-            <a:schemeClr val="accent1"/>
-          </a:fillRef>
-          <a:effectRef idx="0">
-            <a:schemeClr val="accent1"/>
-          </a:effectRef>
-          <a:fontRef idx="minor">
-            <a:schemeClr val="lt1"/>
-          </a:fontRef>
-        </p:style>
-        <p:txBody>
-          <a:bodyPr wrap="none" lIns="45720" rIns="45720" rtlCol="0" anchor="ctr"/>
-          <a:lstStyle/>
-          <a:p>
-            <a:r>
-              <a:rPr lang="en-US" sz="900" dirty="0">
-                <a:solidFill>
-                  <a:srgbClr val="000000"/>
-                </a:solidFill>
-                <a:latin typeface="Courier New" panose="02070309020205020404" pitchFamily="49" charset="0"/>
-                <a:cs typeface="Courier New" panose="02070309020205020404" pitchFamily="49" charset="0"/>
-              </a:rPr>
-              <a:t>state</a:t>
-            </a:r>
-          </a:p>
-        </p:txBody>
-      </p:sp>
-      <p:cxnSp>
-        <p:nvCxnSpPr>
-          <p:cNvPr id="1190" name="Straight Connector 1189"/>
-          <p:cNvCxnSpPr/>
-          <p:nvPr/>
-        </p:nvCxnSpPr>
-        <p:spPr>
-          <a:xfrm>
-            <a:off x="4343404" y="1219207"/>
-            <a:ext cx="1295399" cy="0"/>
-          </a:xfrm>
-          <a:prstGeom prst="line">
-            <a:avLst/>
-          </a:prstGeom>
-          <a:ln w="12700">
-            <a:solidFill>
-              <a:srgbClr val="000000"/>
-            </a:solidFill>
-            <a:headEnd type="none" w="med" len="med"/>
-            <a:tailEnd type="triangle" w="med" len="med"/>
-          </a:ln>
-        </p:spPr>
-        <p:style>
-          <a:lnRef idx="1">
-            <a:schemeClr val="accent1"/>
-          </a:lnRef>
-          <a:fillRef idx="0">
-            <a:schemeClr val="accent1"/>
-          </a:fillRef>
-          <a:effectRef idx="0">
-            <a:schemeClr val="accent1"/>
-          </a:effectRef>
-          <a:fontRef idx="minor">
-            <a:schemeClr val="tx1"/>
-          </a:fontRef>
-        </p:style>
-      </p:cxnSp>
-      <p:cxnSp>
-        <p:nvCxnSpPr>
-          <p:cNvPr id="1191" name="Straight Connector 1190"/>
-          <p:cNvCxnSpPr/>
-          <p:nvPr/>
-        </p:nvCxnSpPr>
-        <p:spPr>
-          <a:xfrm flipV="1">
-            <a:off x="4419605" y="1142981"/>
-            <a:ext cx="152399" cy="152399"/>
-          </a:xfrm>
-          <a:prstGeom prst="line">
-            <a:avLst/>
-          </a:prstGeom>
-          <a:ln w="12700">
-            <a:solidFill>
-              <a:srgbClr val="000000"/>
-            </a:solidFill>
-            <a:headEnd type="none" w="med" len="med"/>
-            <a:tailEnd type="none" w="med" len="med"/>
-          </a:ln>
-        </p:spPr>
-        <p:style>
-          <a:lnRef idx="1">
-            <a:schemeClr val="accent1"/>
-          </a:lnRef>
-          <a:fillRef idx="0">
-            <a:schemeClr val="accent1"/>
-          </a:fillRef>
-          <a:effectRef idx="0">
-            <a:schemeClr val="accent1"/>
-          </a:effectRef>
-          <a:fontRef idx="minor">
-            <a:schemeClr val="tx1"/>
-          </a:fontRef>
-        </p:style>
-      </p:cxnSp>
-      <p:sp>
-        <p:nvSpPr>
-          <p:cNvPr id="1192" name="Rectangle 1191"/>
-          <p:cNvSpPr/>
-          <p:nvPr/>
-        </p:nvSpPr>
-        <p:spPr>
-          <a:xfrm>
-            <a:off x="4419605" y="1066780"/>
-            <a:ext cx="152399" cy="76201"/>
-          </a:xfrm>
-          <a:prstGeom prst="rect">
-            <a:avLst/>
-          </a:prstGeom>
-          <a:noFill/>
-          <a:ln>
-            <a:noFill/>
-          </a:ln>
-        </p:spPr>
-        <p:style>
-          <a:lnRef idx="2">
-            <a:schemeClr val="accent1">
-              <a:shade val="50000"/>
-            </a:schemeClr>
-          </a:lnRef>
-          <a:fillRef idx="1">
-            <a:schemeClr val="accent1"/>
-          </a:fillRef>
-          <a:effectRef idx="0">
-            <a:schemeClr val="accent1"/>
-          </a:effectRef>
-          <a:fontRef idx="minor">
-            <a:schemeClr val="lt1"/>
-          </a:fontRef>
-        </p:style>
-        <p:txBody>
-          <a:bodyPr wrap="none" lIns="45720" rIns="45720" rtlCol="0" anchor="ctr"/>
-          <a:lstStyle/>
-          <a:p>
-            <a:pPr algn="ctr"/>
-            <a:r>
-              <a:rPr lang="en-US" sz="900" dirty="0">
-                <a:solidFill>
-                  <a:srgbClr val="000000"/>
-                </a:solidFill>
-                <a:latin typeface="Courier New" panose="02070309020205020404" pitchFamily="49" charset="0"/>
-                <a:cs typeface="Courier New" panose="02070309020205020404" pitchFamily="49" charset="0"/>
-              </a:rPr>
-              <a:t>1</a:t>
-            </a:r>
-          </a:p>
-        </p:txBody>
-      </p:sp>
-      <p:sp>
-        <p:nvSpPr>
-          <p:cNvPr id="1193" name="Rectangle 1192"/>
-          <p:cNvSpPr/>
-          <p:nvPr/>
-        </p:nvSpPr>
-        <p:spPr>
-          <a:xfrm>
-            <a:off x="4648199" y="1066813"/>
-            <a:ext cx="457200" cy="152399"/>
-          </a:xfrm>
-          <a:prstGeom prst="rect">
-            <a:avLst/>
-          </a:prstGeom>
-          <a:noFill/>
-          <a:ln>
-            <a:noFill/>
-          </a:ln>
-        </p:spPr>
-        <p:style>
-          <a:lnRef idx="2">
-            <a:schemeClr val="accent1">
-              <a:shade val="50000"/>
-            </a:schemeClr>
-          </a:lnRef>
-          <a:fillRef idx="1">
-            <a:schemeClr val="accent1"/>
-          </a:fillRef>
-          <a:effectRef idx="0">
-            <a:schemeClr val="accent1"/>
-          </a:effectRef>
-          <a:fontRef idx="minor">
-            <a:schemeClr val="lt1"/>
-          </a:fontRef>
-        </p:style>
-        <p:txBody>
-          <a:bodyPr wrap="none" lIns="45720" rIns="45720" rtlCol="0" anchor="ctr"/>
-          <a:lstStyle/>
-          <a:p>
-            <a:r>
-              <a:rPr lang="en-US" sz="900" dirty="0" err="1">
-                <a:solidFill>
-                  <a:srgbClr val="000000"/>
-                </a:solidFill>
-                <a:latin typeface="Courier New" panose="02070309020205020404" pitchFamily="49" charset="0"/>
-                <a:cs typeface="Courier New" panose="02070309020205020404" pitchFamily="49" charset="0"/>
-              </a:rPr>
-              <a:t>state_next</a:t>
+              <a:t>bt2f</a:t>
             </a:r>
             <a:endParaRPr lang="en-US" sz="900" dirty="0">
               <a:solidFill>
@@ -6155,6 +5320,922 @@
               <a:cs typeface="Courier New" panose="02070309020205020404" pitchFamily="49" charset="0"/>
             </a:endParaRPr>
           </a:p>
+          <a:p>
+            <a:r>
+              <a:rPr lang="en-US" sz="900" dirty="0">
+                <a:solidFill>
+                  <a:srgbClr val="000000"/>
+                </a:solidFill>
+                <a:latin typeface="Courier New" panose="02070309020205020404" pitchFamily="49" charset="0"/>
+                <a:cs typeface="Courier New" panose="02070309020205020404" pitchFamily="49" charset="0"/>
+              </a:rPr>
+              <a:t>|| </a:t>
+            </a:r>
+            <a:r>
+              <a:rPr lang="en-US" sz="900" dirty="0" smtClean="0">
+                <a:solidFill>
+                  <a:srgbClr val="000000"/>
+                </a:solidFill>
+                <a:latin typeface="Courier New" panose="02070309020205020404" pitchFamily="49" charset="0"/>
+                <a:cs typeface="Courier New" panose="02070309020205020404" pitchFamily="49" charset="0"/>
+              </a:rPr>
+              <a:t>!bt2 &amp;&amp; bt1f</a:t>
+            </a:r>
+            <a:endParaRPr lang="en-US" sz="900" dirty="0">
+              <a:solidFill>
+                <a:srgbClr val="000000"/>
+              </a:solidFill>
+              <a:latin typeface="Courier New" panose="02070309020205020404" pitchFamily="49" charset="0"/>
+              <a:cs typeface="Courier New" panose="02070309020205020404" pitchFamily="49" charset="0"/>
+            </a:endParaRPr>
+          </a:p>
+        </p:txBody>
+      </p:sp>
+      <p:cxnSp>
+        <p:nvCxnSpPr>
+          <p:cNvPr id="1169" name="Straight Connector 1168"/>
+          <p:cNvCxnSpPr/>
+          <p:nvPr/>
+        </p:nvCxnSpPr>
+        <p:spPr>
+          <a:xfrm>
+            <a:off x="8077201" y="3276612"/>
+            <a:ext cx="0" cy="152399"/>
+          </a:xfrm>
+          <a:prstGeom prst="line">
+            <a:avLst/>
+          </a:prstGeom>
+          <a:ln w="12700">
+            <a:solidFill>
+              <a:srgbClr val="000000"/>
+            </a:solidFill>
+            <a:headEnd type="none" w="med" len="med"/>
+            <a:tailEnd type="triangle" w="med" len="med"/>
+          </a:ln>
+        </p:spPr>
+        <p:style>
+          <a:lnRef idx="1">
+            <a:schemeClr val="accent1"/>
+          </a:lnRef>
+          <a:fillRef idx="0">
+            <a:schemeClr val="accent1"/>
+          </a:fillRef>
+          <a:effectRef idx="0">
+            <a:schemeClr val="accent1"/>
+          </a:effectRef>
+          <a:fontRef idx="minor">
+            <a:schemeClr val="tx1"/>
+          </a:fontRef>
+        </p:style>
+      </p:cxnSp>
+      <p:cxnSp>
+        <p:nvCxnSpPr>
+          <p:cNvPr id="1170" name="Straight Connector 1169"/>
+          <p:cNvCxnSpPr/>
+          <p:nvPr/>
+        </p:nvCxnSpPr>
+        <p:spPr>
+          <a:xfrm>
+            <a:off x="8153407" y="3505207"/>
+            <a:ext cx="152399" cy="0"/>
+          </a:xfrm>
+          <a:prstGeom prst="line">
+            <a:avLst/>
+          </a:prstGeom>
+          <a:ln w="12700">
+            <a:solidFill>
+              <a:srgbClr val="000000"/>
+            </a:solidFill>
+            <a:headEnd type="none" w="med" len="med"/>
+            <a:tailEnd type="none" w="med" len="med"/>
+          </a:ln>
+        </p:spPr>
+        <p:style>
+          <a:lnRef idx="1">
+            <a:schemeClr val="accent1"/>
+          </a:lnRef>
+          <a:fillRef idx="0">
+            <a:schemeClr val="accent1"/>
+          </a:fillRef>
+          <a:effectRef idx="0">
+            <a:schemeClr val="accent1"/>
+          </a:effectRef>
+          <a:fontRef idx="minor">
+            <a:schemeClr val="tx1"/>
+          </a:fontRef>
+        </p:style>
+      </p:cxnSp>
+      <p:cxnSp>
+        <p:nvCxnSpPr>
+          <p:cNvPr id="1171" name="Straight Connector 1170"/>
+          <p:cNvCxnSpPr/>
+          <p:nvPr/>
+        </p:nvCxnSpPr>
+        <p:spPr>
+          <a:xfrm flipV="1">
+            <a:off x="8305801" y="3276607"/>
+            <a:ext cx="0" cy="228600"/>
+          </a:xfrm>
+          <a:prstGeom prst="line">
+            <a:avLst/>
+          </a:prstGeom>
+          <a:ln w="12700">
+            <a:solidFill>
+              <a:srgbClr val="000000"/>
+            </a:solidFill>
+            <a:headEnd type="none" w="med" len="med"/>
+            <a:tailEnd type="none" w="med" len="med"/>
+          </a:ln>
+        </p:spPr>
+        <p:style>
+          <a:lnRef idx="1">
+            <a:schemeClr val="accent1"/>
+          </a:lnRef>
+          <a:fillRef idx="0">
+            <a:schemeClr val="accent1"/>
+          </a:fillRef>
+          <a:effectRef idx="0">
+            <a:schemeClr val="accent1"/>
+          </a:effectRef>
+          <a:fontRef idx="minor">
+            <a:schemeClr val="tx1"/>
+          </a:fontRef>
+        </p:style>
+      </p:cxnSp>
+      <p:cxnSp>
+        <p:nvCxnSpPr>
+          <p:cNvPr id="1172" name="Straight Connector 1171"/>
+          <p:cNvCxnSpPr/>
+          <p:nvPr/>
+        </p:nvCxnSpPr>
+        <p:spPr>
+          <a:xfrm flipH="1">
+            <a:off x="8077201" y="3276607"/>
+            <a:ext cx="228600" cy="0"/>
+          </a:xfrm>
+          <a:prstGeom prst="line">
+            <a:avLst/>
+          </a:prstGeom>
+          <a:ln w="12700">
+            <a:solidFill>
+              <a:srgbClr val="000000"/>
+            </a:solidFill>
+            <a:headEnd type="none" w="med" len="med"/>
+            <a:tailEnd type="none" w="med" len="med"/>
+          </a:ln>
+        </p:spPr>
+        <p:style>
+          <a:lnRef idx="1">
+            <a:schemeClr val="accent1"/>
+          </a:lnRef>
+          <a:fillRef idx="0">
+            <a:schemeClr val="accent1"/>
+          </a:fillRef>
+          <a:effectRef idx="0">
+            <a:schemeClr val="accent1"/>
+          </a:effectRef>
+          <a:fontRef idx="minor">
+            <a:schemeClr val="tx1"/>
+          </a:fontRef>
+        </p:style>
+      </p:cxnSp>
+      <p:sp>
+        <p:nvSpPr>
+          <p:cNvPr id="1173" name="Rectangle 1172"/>
+          <p:cNvSpPr/>
+          <p:nvPr/>
+        </p:nvSpPr>
+        <p:spPr>
+          <a:xfrm>
+            <a:off x="8153402" y="3124212"/>
+            <a:ext cx="457200" cy="152399"/>
+          </a:xfrm>
+          <a:prstGeom prst="rect">
+            <a:avLst/>
+          </a:prstGeom>
+          <a:noFill/>
+          <a:ln>
+            <a:noFill/>
+          </a:ln>
+        </p:spPr>
+        <p:style>
+          <a:lnRef idx="2">
+            <a:schemeClr val="accent1">
+              <a:shade val="50000"/>
+            </a:schemeClr>
+          </a:lnRef>
+          <a:fillRef idx="1">
+            <a:schemeClr val="accent1"/>
+          </a:fillRef>
+          <a:effectRef idx="0">
+            <a:schemeClr val="accent1"/>
+          </a:effectRef>
+          <a:fontRef idx="minor">
+            <a:schemeClr val="lt1"/>
+          </a:fontRef>
+        </p:style>
+        <p:txBody>
+          <a:bodyPr wrap="none" lIns="45720" rIns="45720" rtlCol="0" anchor="ctr"/>
+          <a:lstStyle/>
+          <a:p>
+            <a:r>
+              <a:rPr lang="en-US" sz="900" dirty="0">
+                <a:solidFill>
+                  <a:srgbClr val="000000"/>
+                </a:solidFill>
+                <a:latin typeface="Courier New" panose="02070309020205020404" pitchFamily="49" charset="0"/>
+                <a:cs typeface="Courier New" panose="02070309020205020404" pitchFamily="49" charset="0"/>
+              </a:rPr>
+              <a:t>else</a:t>
+            </a:r>
+          </a:p>
+        </p:txBody>
+      </p:sp>
+      <p:cxnSp>
+        <p:nvCxnSpPr>
+          <p:cNvPr id="1174" name="Straight Connector 1173"/>
+          <p:cNvCxnSpPr/>
+          <p:nvPr/>
+        </p:nvCxnSpPr>
+        <p:spPr>
+          <a:xfrm flipH="1">
+            <a:off x="7086607" y="3581405"/>
+            <a:ext cx="152399" cy="0"/>
+          </a:xfrm>
+          <a:prstGeom prst="line">
+            <a:avLst/>
+          </a:prstGeom>
+          <a:ln w="12700">
+            <a:solidFill>
+              <a:srgbClr val="000000"/>
+            </a:solidFill>
+            <a:headEnd type="none" w="med" len="med"/>
+            <a:tailEnd type="none" w="med" len="med"/>
+          </a:ln>
+        </p:spPr>
+        <p:style>
+          <a:lnRef idx="1">
+            <a:schemeClr val="accent1"/>
+          </a:lnRef>
+          <a:fillRef idx="0">
+            <a:schemeClr val="accent1"/>
+          </a:fillRef>
+          <a:effectRef idx="0">
+            <a:schemeClr val="accent1"/>
+          </a:effectRef>
+          <a:fontRef idx="minor">
+            <a:schemeClr val="tx1"/>
+          </a:fontRef>
+        </p:style>
+      </p:cxnSp>
+      <p:cxnSp>
+        <p:nvCxnSpPr>
+          <p:cNvPr id="1175" name="Straight Connector 1174"/>
+          <p:cNvCxnSpPr/>
+          <p:nvPr/>
+        </p:nvCxnSpPr>
+        <p:spPr>
+          <a:xfrm>
+            <a:off x="7086607" y="2514606"/>
+            <a:ext cx="152399" cy="0"/>
+          </a:xfrm>
+          <a:prstGeom prst="line">
+            <a:avLst/>
+          </a:prstGeom>
+          <a:ln w="12700">
+            <a:solidFill>
+              <a:srgbClr val="000000"/>
+            </a:solidFill>
+            <a:headEnd type="none" w="med" len="med"/>
+            <a:tailEnd type="triangle" w="med" len="med"/>
+          </a:ln>
+        </p:spPr>
+        <p:style>
+          <a:lnRef idx="1">
+            <a:schemeClr val="accent1"/>
+          </a:lnRef>
+          <a:fillRef idx="0">
+            <a:schemeClr val="accent1"/>
+          </a:fillRef>
+          <a:effectRef idx="0">
+            <a:schemeClr val="accent1"/>
+          </a:effectRef>
+          <a:fontRef idx="minor">
+            <a:schemeClr val="tx1"/>
+          </a:fontRef>
+        </p:style>
+      </p:cxnSp>
+      <p:cxnSp>
+        <p:nvCxnSpPr>
+          <p:cNvPr id="1176" name="Straight Connector 1175"/>
+          <p:cNvCxnSpPr/>
+          <p:nvPr/>
+        </p:nvCxnSpPr>
+        <p:spPr>
+          <a:xfrm flipV="1">
+            <a:off x="7086600" y="2514611"/>
+            <a:ext cx="0" cy="1066799"/>
+          </a:xfrm>
+          <a:prstGeom prst="line">
+            <a:avLst/>
+          </a:prstGeom>
+          <a:ln w="12700">
+            <a:solidFill>
+              <a:srgbClr val="000000"/>
+            </a:solidFill>
+            <a:headEnd type="none" w="med" len="med"/>
+            <a:tailEnd type="none" w="med" len="med"/>
+          </a:ln>
+        </p:spPr>
+        <p:style>
+          <a:lnRef idx="1">
+            <a:schemeClr val="accent1"/>
+          </a:lnRef>
+          <a:fillRef idx="0">
+            <a:schemeClr val="accent1"/>
+          </a:fillRef>
+          <a:effectRef idx="0">
+            <a:schemeClr val="accent1"/>
+          </a:effectRef>
+          <a:fontRef idx="minor">
+            <a:schemeClr val="tx1"/>
+          </a:fontRef>
+        </p:style>
+      </p:cxnSp>
+      <p:sp>
+        <p:nvSpPr>
+          <p:cNvPr id="1177" name="Rectangle 1176"/>
+          <p:cNvSpPr/>
+          <p:nvPr/>
+        </p:nvSpPr>
+        <p:spPr>
+          <a:xfrm>
+            <a:off x="6324600" y="2895612"/>
+            <a:ext cx="457200" cy="152399"/>
+          </a:xfrm>
+          <a:prstGeom prst="rect">
+            <a:avLst/>
+          </a:prstGeom>
+          <a:noFill/>
+          <a:ln>
+            <a:noFill/>
+          </a:ln>
+        </p:spPr>
+        <p:style>
+          <a:lnRef idx="2">
+            <a:schemeClr val="accent1">
+              <a:shade val="50000"/>
+            </a:schemeClr>
+          </a:lnRef>
+          <a:fillRef idx="1">
+            <a:schemeClr val="accent1"/>
+          </a:fillRef>
+          <a:effectRef idx="0">
+            <a:schemeClr val="accent1"/>
+          </a:effectRef>
+          <a:fontRef idx="minor">
+            <a:schemeClr val="lt1"/>
+          </a:fontRef>
+        </p:style>
+        <p:txBody>
+          <a:bodyPr wrap="none" lIns="45720" rIns="45720" rtlCol="0" anchor="ctr"/>
+          <a:lstStyle/>
+          <a:p>
+            <a:r>
+              <a:rPr lang="en-US" sz="900" dirty="0" smtClean="0">
+                <a:solidFill>
+                  <a:srgbClr val="000000"/>
+                </a:solidFill>
+                <a:latin typeface="Courier New" panose="02070309020205020404" pitchFamily="49" charset="0"/>
+                <a:cs typeface="Courier New" panose="02070309020205020404" pitchFamily="49" charset="0"/>
+              </a:rPr>
+              <a:t>bt1 </a:t>
+            </a:r>
+            <a:r>
+              <a:rPr lang="en-US" sz="900" dirty="0">
+                <a:solidFill>
+                  <a:srgbClr val="000000"/>
+                </a:solidFill>
+                <a:latin typeface="Courier New" panose="02070309020205020404" pitchFamily="49" charset="0"/>
+                <a:cs typeface="Courier New" panose="02070309020205020404" pitchFamily="49" charset="0"/>
+              </a:rPr>
+              <a:t>&amp;&amp; </a:t>
+            </a:r>
+            <a:r>
+              <a:rPr lang="en-US" sz="900" dirty="0" smtClean="0">
+                <a:solidFill>
+                  <a:srgbClr val="000000"/>
+                </a:solidFill>
+                <a:latin typeface="Courier New" panose="02070309020205020404" pitchFamily="49" charset="0"/>
+                <a:cs typeface="Courier New" panose="02070309020205020404" pitchFamily="49" charset="0"/>
+              </a:rPr>
+              <a:t>bt2</a:t>
+            </a:r>
+            <a:endParaRPr lang="en-US" sz="900" dirty="0">
+              <a:solidFill>
+                <a:srgbClr val="000000"/>
+              </a:solidFill>
+              <a:latin typeface="Courier New" panose="02070309020205020404" pitchFamily="49" charset="0"/>
+              <a:cs typeface="Courier New" panose="02070309020205020404" pitchFamily="49" charset="0"/>
+            </a:endParaRPr>
+          </a:p>
+        </p:txBody>
+      </p:sp>
+      <p:sp>
+        <p:nvSpPr>
+          <p:cNvPr id="1182" name="Rectangle 1181"/>
+          <p:cNvSpPr/>
+          <p:nvPr/>
+        </p:nvSpPr>
+        <p:spPr>
+          <a:xfrm>
+            <a:off x="5638805" y="1143023"/>
+            <a:ext cx="304801" cy="304792"/>
+          </a:xfrm>
+          <a:prstGeom prst="rect">
+            <a:avLst/>
+          </a:prstGeom>
+          <a:noFill/>
+          <a:ln w="12700">
+            <a:solidFill>
+              <a:srgbClr val="000000"/>
+            </a:solidFill>
+          </a:ln>
+        </p:spPr>
+        <p:style>
+          <a:lnRef idx="2">
+            <a:schemeClr val="accent1">
+              <a:shade val="50000"/>
+            </a:schemeClr>
+          </a:lnRef>
+          <a:fillRef idx="1">
+            <a:schemeClr val="accent1"/>
+          </a:fillRef>
+          <a:effectRef idx="0">
+            <a:schemeClr val="accent1"/>
+          </a:effectRef>
+          <a:fontRef idx="minor">
+            <a:schemeClr val="lt1"/>
+          </a:fontRef>
+        </p:style>
+        <p:txBody>
+          <a:bodyPr rtlCol="0" anchor="ctr"/>
+          <a:lstStyle/>
+          <a:p>
+            <a:pPr algn="ctr"/>
+            <a:endParaRPr lang="en-US" sz="3729"/>
+          </a:p>
+        </p:txBody>
+      </p:sp>
+      <p:cxnSp>
+        <p:nvCxnSpPr>
+          <p:cNvPr id="1183" name="Straight Connector 1182"/>
+          <p:cNvCxnSpPr/>
+          <p:nvPr/>
+        </p:nvCxnSpPr>
+        <p:spPr>
+          <a:xfrm flipV="1">
+            <a:off x="5715005" y="1371571"/>
+            <a:ext cx="76201" cy="76201"/>
+          </a:xfrm>
+          <a:prstGeom prst="line">
+            <a:avLst/>
+          </a:prstGeom>
+          <a:ln w="12700">
+            <a:solidFill>
+              <a:srgbClr val="000000"/>
+            </a:solidFill>
+          </a:ln>
+        </p:spPr>
+        <p:style>
+          <a:lnRef idx="1">
+            <a:schemeClr val="accent1"/>
+          </a:lnRef>
+          <a:fillRef idx="0">
+            <a:schemeClr val="accent1"/>
+          </a:fillRef>
+          <a:effectRef idx="0">
+            <a:schemeClr val="accent1"/>
+          </a:effectRef>
+          <a:fontRef idx="minor">
+            <a:schemeClr val="tx1"/>
+          </a:fontRef>
+        </p:style>
+      </p:cxnSp>
+      <p:cxnSp>
+        <p:nvCxnSpPr>
+          <p:cNvPr id="1184" name="Straight Connector 1183"/>
+          <p:cNvCxnSpPr/>
+          <p:nvPr/>
+        </p:nvCxnSpPr>
+        <p:spPr>
+          <a:xfrm flipH="1" flipV="1">
+            <a:off x="5791206" y="1371571"/>
+            <a:ext cx="76201" cy="76201"/>
+          </a:xfrm>
+          <a:prstGeom prst="line">
+            <a:avLst/>
+          </a:prstGeom>
+          <a:ln w="12700">
+            <a:solidFill>
+              <a:srgbClr val="000000"/>
+            </a:solidFill>
+          </a:ln>
+        </p:spPr>
+        <p:style>
+          <a:lnRef idx="1">
+            <a:schemeClr val="accent1"/>
+          </a:lnRef>
+          <a:fillRef idx="0">
+            <a:schemeClr val="accent1"/>
+          </a:fillRef>
+          <a:effectRef idx="0">
+            <a:schemeClr val="accent1"/>
+          </a:effectRef>
+          <a:fontRef idx="minor">
+            <a:schemeClr val="tx1"/>
+          </a:fontRef>
+        </p:style>
+      </p:cxnSp>
+      <p:sp>
+        <p:nvSpPr>
+          <p:cNvPr id="1185" name="Rectangle 1184"/>
+          <p:cNvSpPr/>
+          <p:nvPr/>
+        </p:nvSpPr>
+        <p:spPr>
+          <a:xfrm>
+            <a:off x="5715006" y="1142981"/>
+            <a:ext cx="152399" cy="152399"/>
+          </a:xfrm>
+          <a:prstGeom prst="rect">
+            <a:avLst/>
+          </a:prstGeom>
+          <a:noFill/>
+          <a:ln>
+            <a:noFill/>
+          </a:ln>
+        </p:spPr>
+        <p:style>
+          <a:lnRef idx="2">
+            <a:schemeClr val="accent1">
+              <a:shade val="50000"/>
+            </a:schemeClr>
+          </a:lnRef>
+          <a:fillRef idx="1">
+            <a:schemeClr val="accent1"/>
+          </a:fillRef>
+          <a:effectRef idx="0">
+            <a:schemeClr val="accent1"/>
+          </a:effectRef>
+          <a:fontRef idx="minor">
+            <a:schemeClr val="lt1"/>
+          </a:fontRef>
+        </p:style>
+        <p:txBody>
+          <a:bodyPr wrap="none" lIns="45720" rIns="45720" rtlCol="0" anchor="ctr"/>
+          <a:lstStyle/>
+          <a:p>
+            <a:pPr algn="ctr"/>
+            <a:r>
+              <a:rPr lang="en-US" sz="900" dirty="0">
+                <a:solidFill>
+                  <a:srgbClr val="000000"/>
+                </a:solidFill>
+                <a:latin typeface="Courier New" panose="02070309020205020404" pitchFamily="49" charset="0"/>
+                <a:cs typeface="Courier New" panose="02070309020205020404" pitchFamily="49" charset="0"/>
+              </a:rPr>
+              <a:t>R</a:t>
+            </a:r>
+          </a:p>
+        </p:txBody>
+      </p:sp>
+      <p:cxnSp>
+        <p:nvCxnSpPr>
+          <p:cNvPr id="1186" name="Straight Connector 1185"/>
+          <p:cNvCxnSpPr/>
+          <p:nvPr/>
+        </p:nvCxnSpPr>
+        <p:spPr>
+          <a:xfrm flipV="1">
+            <a:off x="6019806" y="1142981"/>
+            <a:ext cx="152399" cy="152399"/>
+          </a:xfrm>
+          <a:prstGeom prst="line">
+            <a:avLst/>
+          </a:prstGeom>
+          <a:ln w="12700">
+            <a:solidFill>
+              <a:srgbClr val="000000"/>
+            </a:solidFill>
+            <a:headEnd type="none" w="med" len="med"/>
+            <a:tailEnd type="none" w="med" len="med"/>
+          </a:ln>
+        </p:spPr>
+        <p:style>
+          <a:lnRef idx="1">
+            <a:schemeClr val="accent1"/>
+          </a:lnRef>
+          <a:fillRef idx="0">
+            <a:schemeClr val="accent1"/>
+          </a:fillRef>
+          <a:effectRef idx="0">
+            <a:schemeClr val="accent1"/>
+          </a:effectRef>
+          <a:fontRef idx="minor">
+            <a:schemeClr val="tx1"/>
+          </a:fontRef>
+        </p:style>
+      </p:cxnSp>
+      <p:sp>
+        <p:nvSpPr>
+          <p:cNvPr id="1187" name="Rectangle 1186"/>
+          <p:cNvSpPr/>
+          <p:nvPr/>
+        </p:nvSpPr>
+        <p:spPr>
+          <a:xfrm>
+            <a:off x="6019806" y="1066780"/>
+            <a:ext cx="152399" cy="76201"/>
+          </a:xfrm>
+          <a:prstGeom prst="rect">
+            <a:avLst/>
+          </a:prstGeom>
+          <a:noFill/>
+          <a:ln>
+            <a:noFill/>
+          </a:ln>
+        </p:spPr>
+        <p:style>
+          <a:lnRef idx="2">
+            <a:schemeClr val="accent1">
+              <a:shade val="50000"/>
+            </a:schemeClr>
+          </a:lnRef>
+          <a:fillRef idx="1">
+            <a:schemeClr val="accent1"/>
+          </a:fillRef>
+          <a:effectRef idx="0">
+            <a:schemeClr val="accent1"/>
+          </a:effectRef>
+          <a:fontRef idx="minor">
+            <a:schemeClr val="lt1"/>
+          </a:fontRef>
+        </p:style>
+        <p:txBody>
+          <a:bodyPr wrap="none" lIns="45720" rIns="45720" rtlCol="0" anchor="ctr"/>
+          <a:lstStyle/>
+          <a:p>
+            <a:pPr algn="ctr"/>
+            <a:r>
+              <a:rPr lang="en-US" sz="900" dirty="0">
+                <a:solidFill>
+                  <a:srgbClr val="000000"/>
+                </a:solidFill>
+                <a:latin typeface="Courier New" panose="02070309020205020404" pitchFamily="49" charset="0"/>
+                <a:cs typeface="Courier New" panose="02070309020205020404" pitchFamily="49" charset="0"/>
+              </a:rPr>
+              <a:t>1</a:t>
+            </a:r>
+          </a:p>
+        </p:txBody>
+      </p:sp>
+      <p:sp>
+        <p:nvSpPr>
+          <p:cNvPr id="1188" name="Rectangle 1187"/>
+          <p:cNvSpPr/>
+          <p:nvPr/>
+        </p:nvSpPr>
+        <p:spPr>
+          <a:xfrm>
+            <a:off x="5943600" y="762011"/>
+            <a:ext cx="457200" cy="152399"/>
+          </a:xfrm>
+          <a:prstGeom prst="rect">
+            <a:avLst/>
+          </a:prstGeom>
+          <a:noFill/>
+          <a:ln>
+            <a:noFill/>
+          </a:ln>
+        </p:spPr>
+        <p:style>
+          <a:lnRef idx="2">
+            <a:schemeClr val="accent1">
+              <a:shade val="50000"/>
+            </a:schemeClr>
+          </a:lnRef>
+          <a:fillRef idx="1">
+            <a:schemeClr val="accent1"/>
+          </a:fillRef>
+          <a:effectRef idx="0">
+            <a:schemeClr val="accent1"/>
+          </a:effectRef>
+          <a:fontRef idx="minor">
+            <a:schemeClr val="lt1"/>
+          </a:fontRef>
+        </p:style>
+        <p:txBody>
+          <a:bodyPr wrap="none" lIns="45720" rIns="45720" rtlCol="0" anchor="ctr"/>
+          <a:lstStyle/>
+          <a:p>
+            <a:r>
+              <a:rPr lang="en-US" sz="900" dirty="0">
+                <a:solidFill>
+                  <a:srgbClr val="000000"/>
+                </a:solidFill>
+                <a:latin typeface="Courier New" panose="02070309020205020404" pitchFamily="49" charset="0"/>
+                <a:cs typeface="Courier New" panose="02070309020205020404" pitchFamily="49" charset="0"/>
+              </a:rPr>
+              <a:t>state</a:t>
+            </a:r>
+          </a:p>
+        </p:txBody>
+      </p:sp>
+      <p:cxnSp>
+        <p:nvCxnSpPr>
+          <p:cNvPr id="1190" name="Straight Connector 1189"/>
+          <p:cNvCxnSpPr/>
+          <p:nvPr/>
+        </p:nvCxnSpPr>
+        <p:spPr>
+          <a:xfrm>
+            <a:off x="4343404" y="1219207"/>
+            <a:ext cx="1295399" cy="0"/>
+          </a:xfrm>
+          <a:prstGeom prst="line">
+            <a:avLst/>
+          </a:prstGeom>
+          <a:ln w="12700">
+            <a:solidFill>
+              <a:srgbClr val="000000"/>
+            </a:solidFill>
+            <a:headEnd type="none" w="med" len="med"/>
+            <a:tailEnd type="triangle" w="med" len="med"/>
+          </a:ln>
+        </p:spPr>
+        <p:style>
+          <a:lnRef idx="1">
+            <a:schemeClr val="accent1"/>
+          </a:lnRef>
+          <a:fillRef idx="0">
+            <a:schemeClr val="accent1"/>
+          </a:fillRef>
+          <a:effectRef idx="0">
+            <a:schemeClr val="accent1"/>
+          </a:effectRef>
+          <a:fontRef idx="minor">
+            <a:schemeClr val="tx1"/>
+          </a:fontRef>
+        </p:style>
+      </p:cxnSp>
+      <p:cxnSp>
+        <p:nvCxnSpPr>
+          <p:cNvPr id="1191" name="Straight Connector 1190"/>
+          <p:cNvCxnSpPr/>
+          <p:nvPr/>
+        </p:nvCxnSpPr>
+        <p:spPr>
+          <a:xfrm flipV="1">
+            <a:off x="4419605" y="1142981"/>
+            <a:ext cx="152399" cy="152399"/>
+          </a:xfrm>
+          <a:prstGeom prst="line">
+            <a:avLst/>
+          </a:prstGeom>
+          <a:ln w="12700">
+            <a:solidFill>
+              <a:srgbClr val="000000"/>
+            </a:solidFill>
+            <a:headEnd type="none" w="med" len="med"/>
+            <a:tailEnd type="none" w="med" len="med"/>
+          </a:ln>
+        </p:spPr>
+        <p:style>
+          <a:lnRef idx="1">
+            <a:schemeClr val="accent1"/>
+          </a:lnRef>
+          <a:fillRef idx="0">
+            <a:schemeClr val="accent1"/>
+          </a:fillRef>
+          <a:effectRef idx="0">
+            <a:schemeClr val="accent1"/>
+          </a:effectRef>
+          <a:fontRef idx="minor">
+            <a:schemeClr val="tx1"/>
+          </a:fontRef>
+        </p:style>
+      </p:cxnSp>
+      <p:sp>
+        <p:nvSpPr>
+          <p:cNvPr id="1192" name="Rectangle 1191"/>
+          <p:cNvSpPr/>
+          <p:nvPr/>
+        </p:nvSpPr>
+        <p:spPr>
+          <a:xfrm>
+            <a:off x="4419605" y="1066780"/>
+            <a:ext cx="152399" cy="76201"/>
+          </a:xfrm>
+          <a:prstGeom prst="rect">
+            <a:avLst/>
+          </a:prstGeom>
+          <a:noFill/>
+          <a:ln>
+            <a:noFill/>
+          </a:ln>
+        </p:spPr>
+        <p:style>
+          <a:lnRef idx="2">
+            <a:schemeClr val="accent1">
+              <a:shade val="50000"/>
+            </a:schemeClr>
+          </a:lnRef>
+          <a:fillRef idx="1">
+            <a:schemeClr val="accent1"/>
+          </a:fillRef>
+          <a:effectRef idx="0">
+            <a:schemeClr val="accent1"/>
+          </a:effectRef>
+          <a:fontRef idx="minor">
+            <a:schemeClr val="lt1"/>
+          </a:fontRef>
+        </p:style>
+        <p:txBody>
+          <a:bodyPr wrap="none" lIns="45720" rIns="45720" rtlCol="0" anchor="ctr"/>
+          <a:lstStyle/>
+          <a:p>
+            <a:pPr algn="ctr"/>
+            <a:r>
+              <a:rPr lang="en-US" sz="900" dirty="0">
+                <a:solidFill>
+                  <a:srgbClr val="000000"/>
+                </a:solidFill>
+                <a:latin typeface="Courier New" panose="02070309020205020404" pitchFamily="49" charset="0"/>
+                <a:cs typeface="Courier New" panose="02070309020205020404" pitchFamily="49" charset="0"/>
+              </a:rPr>
+              <a:t>1</a:t>
+            </a:r>
+          </a:p>
+        </p:txBody>
+      </p:sp>
+      <p:sp>
+        <p:nvSpPr>
+          <p:cNvPr id="1193" name="Rectangle 1192"/>
+          <p:cNvSpPr/>
+          <p:nvPr/>
+        </p:nvSpPr>
+        <p:spPr>
+          <a:xfrm>
+            <a:off x="4648199" y="1066813"/>
+            <a:ext cx="457200" cy="152399"/>
+          </a:xfrm>
+          <a:prstGeom prst="rect">
+            <a:avLst/>
+          </a:prstGeom>
+          <a:noFill/>
+          <a:ln>
+            <a:noFill/>
+          </a:ln>
+        </p:spPr>
+        <p:style>
+          <a:lnRef idx="2">
+            <a:schemeClr val="accent1">
+              <a:shade val="50000"/>
+            </a:schemeClr>
+          </a:lnRef>
+          <a:fillRef idx="1">
+            <a:schemeClr val="accent1"/>
+          </a:fillRef>
+          <a:effectRef idx="0">
+            <a:schemeClr val="accent1"/>
+          </a:effectRef>
+          <a:fontRef idx="minor">
+            <a:schemeClr val="lt1"/>
+          </a:fontRef>
+        </p:style>
+        <p:txBody>
+          <a:bodyPr wrap="none" lIns="45720" rIns="45720" rtlCol="0" anchor="ctr"/>
+          <a:lstStyle/>
+          <a:p>
+            <a:r>
+              <a:rPr lang="en-US" sz="900" dirty="0" err="1">
+                <a:solidFill>
+                  <a:srgbClr val="000000"/>
+                </a:solidFill>
+                <a:latin typeface="Courier New" panose="02070309020205020404" pitchFamily="49" charset="0"/>
+                <a:cs typeface="Courier New" panose="02070309020205020404" pitchFamily="49" charset="0"/>
+              </a:rPr>
+              <a:t>state_next</a:t>
+            </a:r>
+            <a:endParaRPr lang="en-US" sz="900" dirty="0">
+              <a:solidFill>
+                <a:srgbClr val="000000"/>
+              </a:solidFill>
+              <a:latin typeface="Courier New" panose="02070309020205020404" pitchFamily="49" charset="0"/>
+              <a:cs typeface="Courier New" panose="02070309020205020404" pitchFamily="49" charset="0"/>
+            </a:endParaRPr>
+          </a:p>
         </p:txBody>
       </p:sp>
       <p:cxnSp>
@@ -6399,7 +6480,27 @@
                 <a:latin typeface="Courier New" panose="02070309020205020404" pitchFamily="49" charset="0"/>
                 <a:cs typeface="Courier New" panose="02070309020205020404" pitchFamily="49" charset="0"/>
               </a:rPr>
-              <a:t>           MODE10 = 1’b1;</a:t>
+              <a:t>           MODE10 = </a:t>
+            </a:r>
+            <a:r>
+              <a:rPr lang="en-US" sz="900" dirty="0" smtClean="0">
+                <a:solidFill>
+                  <a:srgbClr val="000000"/>
+                </a:solidFill>
+                <a:latin typeface="Courier New" panose="02070309020205020404" pitchFamily="49" charset="0"/>
+                <a:cs typeface="Courier New" panose="02070309020205020404" pitchFamily="49" charset="0"/>
+              </a:rPr>
+              <a:t>1’d1</a:t>
+            </a:r>
+            <a:r>
+              <a:rPr lang="en-US" sz="900" dirty="0">
+                <a:solidFill>
+                  <a:srgbClr val="000000"/>
+                </a:solidFill>
+                <a:latin typeface="Courier New" panose="02070309020205020404" pitchFamily="49" charset="0"/>
+                <a:cs typeface="Courier New" panose="02070309020205020404" pitchFamily="49" charset="0"/>
+              </a:rPr>
+              <a:t>;</a:t>
             </a:r>
           </a:p>
         </p:txBody>
@@ -7412,9 +7513,9 @@
           <p:nvPr/>
         </p:nvCxnSpPr>
         <p:spPr>
-          <a:xfrm>
-            <a:off x="2819400" y="7620011"/>
-            <a:ext cx="1219200" cy="0"/>
+          <a:xfrm flipV="1">
+            <a:off x="2819400" y="7620000"/>
+            <a:ext cx="1295400" cy="14"/>
           </a:xfrm>
           <a:prstGeom prst="line">
             <a:avLst/>
@@ -10380,7 +10481,7 @@
         </p:nvCxnSpPr>
         <p:spPr>
           <a:xfrm flipV="1">
-            <a:off x="4114800" y="1371608"/>
+            <a:off x="4191000" y="1371608"/>
             <a:ext cx="0" cy="6477002"/>
           </a:xfrm>
           <a:prstGeom prst="line">
@@ -10454,7 +10555,7 @@
         </p:nvCxnSpPr>
         <p:spPr>
           <a:xfrm flipV="1">
-            <a:off x="4038599" y="1371608"/>
+            <a:off x="4114800" y="1371608"/>
             <a:ext cx="0" cy="6248402"/>
           </a:xfrm>
           <a:prstGeom prst="line">
@@ -16956,96 +17057,6 @@
           </a:p>
         </p:txBody>
       </p:sp>
-      <p:cxnSp>
-        <p:nvCxnSpPr>
-          <p:cNvPr id="386" name="Straight Connector 385"/>
-          <p:cNvCxnSpPr/>
-          <p:nvPr/>
-        </p:nvCxnSpPr>
-        <p:spPr>
-          <a:xfrm flipV="1">
-            <a:off x="5943603" y="11963410"/>
-            <a:ext cx="152399" cy="152399"/>
-          </a:xfrm>
-          <a:prstGeom prst="line">
-            <a:avLst/>
-          </a:prstGeom>
-          <a:ln w="12700">
-            <a:solidFill>
-              <a:srgbClr val="000000"/>
-            </a:solidFill>
-            <a:headEnd type="none" w="med" len="med"/>
-            <a:tailEnd type="none" w="med" len="med"/>
-          </a:ln>
-        </p:spPr>
-        <p:style>
-          <a:lnRef idx="1">
-            <a:schemeClr val="accent1"/>
-          </a:lnRef>
-          <a:fillRef idx="0">
-            <a:schemeClr val="accent1"/>
-          </a:fillRef>
-          <a:effectRef idx="0">
-            <a:schemeClr val="accent1"/>
-          </a:effectRef>
-          <a:fontRef idx="minor">
-            <a:schemeClr val="tx1"/>
-          </a:fontRef>
-        </p:style>
-      </p:cxnSp>
-      <p:sp>
-        <p:nvSpPr>
-          <p:cNvPr id="387" name="Rectangle 386"/>
-          <p:cNvSpPr/>
-          <p:nvPr/>
-        </p:nvSpPr>
-        <p:spPr>
-          <a:xfrm>
-            <a:off x="5943603" y="11887209"/>
-            <a:ext cx="152399" cy="76201"/>
-          </a:xfrm>
-          <a:prstGeom prst="rect">
-            <a:avLst/>
-          </a:prstGeom>
-          <a:noFill/>
-          <a:ln>
-            <a:noFill/>
-          </a:ln>
-        </p:spPr>
-        <p:style>
-          <a:lnRef idx="2">
-            <a:schemeClr val="accent1">
-              <a:shade val="50000"/>
-            </a:schemeClr>
-          </a:lnRef>
-          <a:fillRef idx="1">
-            <a:schemeClr val="accent1"/>
-          </a:fillRef>
-          <a:effectRef idx="0">
-            <a:schemeClr val="accent1"/>
-          </a:effectRef>
-          <a:fontRef idx="minor">
-            <a:schemeClr val="lt1"/>
-          </a:fontRef>
-        </p:style>
-        <p:txBody>
-          <a:bodyPr wrap="none" lIns="45720" rIns="45720" rtlCol="0" anchor="ctr"/>
-          <a:lstStyle/>
-          <a:p>
-            <a:pPr algn="ctr"/>
-            <a:r>
-              <a:rPr lang="en-US" sz="900" dirty="0">
-                <a:solidFill>
-                  <a:srgbClr val="000000"/>
-                </a:solidFill>
-                <a:latin typeface="Courier New" panose="02070309020205020404" pitchFamily="49" charset="0"/>
-                <a:cs typeface="Courier New" panose="02070309020205020404" pitchFamily="49" charset="0"/>
-              </a:rPr>
-              <a:t>1</a:t>
-            </a:r>
-          </a:p>
-        </p:txBody>
-      </p:sp>
       <p:sp>
         <p:nvSpPr>
           <p:cNvPr id="388" name="Rectangle 387"/>
@@ -20408,6 +20419,425 @@
               </a:rPr>
               <a:t>reset</a:t>
             </a:r>
+          </a:p>
+        </p:txBody>
+      </p:sp>
+      <p:cxnSp>
+        <p:nvCxnSpPr>
+          <p:cNvPr id="429" name="Straight Connector 428"/>
+          <p:cNvCxnSpPr/>
+          <p:nvPr/>
+        </p:nvCxnSpPr>
+        <p:spPr>
+          <a:xfrm>
+            <a:off x="1600200" y="3429000"/>
+            <a:ext cx="304800" cy="0"/>
+          </a:xfrm>
+          <a:prstGeom prst="line">
+            <a:avLst/>
+          </a:prstGeom>
+          <a:ln w="12700">
+            <a:solidFill>
+              <a:srgbClr val="000000"/>
+            </a:solidFill>
+            <a:headEnd type="none" w="med" len="med"/>
+            <a:tailEnd type="triangle" w="med" len="med"/>
+          </a:ln>
+        </p:spPr>
+        <p:style>
+          <a:lnRef idx="1">
+            <a:schemeClr val="accent1"/>
+          </a:lnRef>
+          <a:fillRef idx="0">
+            <a:schemeClr val="accent1"/>
+          </a:fillRef>
+          <a:effectRef idx="0">
+            <a:schemeClr val="accent1"/>
+          </a:effectRef>
+          <a:fontRef idx="minor">
+            <a:schemeClr val="tx1"/>
+          </a:fontRef>
+        </p:style>
+      </p:cxnSp>
+      <p:sp>
+        <p:nvSpPr>
+          <p:cNvPr id="430" name="Rectangle 429"/>
+          <p:cNvSpPr/>
+          <p:nvPr/>
+        </p:nvSpPr>
+        <p:spPr>
+          <a:xfrm>
+            <a:off x="1295400" y="3276600"/>
+            <a:ext cx="457200" cy="152400"/>
+          </a:xfrm>
+          <a:prstGeom prst="rect">
+            <a:avLst/>
+          </a:prstGeom>
+          <a:noFill/>
+          <a:ln>
+            <a:noFill/>
+          </a:ln>
+        </p:spPr>
+        <p:style>
+          <a:lnRef idx="2">
+            <a:schemeClr val="accent1">
+              <a:shade val="50000"/>
+            </a:schemeClr>
+          </a:lnRef>
+          <a:fillRef idx="1">
+            <a:schemeClr val="accent1"/>
+          </a:fillRef>
+          <a:effectRef idx="0">
+            <a:schemeClr val="accent1"/>
+          </a:effectRef>
+          <a:fontRef idx="minor">
+            <a:schemeClr val="lt1"/>
+          </a:fontRef>
+        </p:style>
+        <p:txBody>
+          <a:bodyPr wrap="none" lIns="45720" rIns="45720" rtlCol="0" anchor="ctr"/>
+          <a:lstStyle/>
+          <a:p>
+            <a:pPr algn="r"/>
+            <a:r>
+              <a:rPr lang="en-US" sz="900" dirty="0">
+                <a:solidFill>
+                  <a:srgbClr val="000000"/>
+                </a:solidFill>
+                <a:latin typeface="Courier New" panose="02070309020205020404" pitchFamily="49" charset="0"/>
+                <a:cs typeface="Courier New" panose="02070309020205020404" pitchFamily="49" charset="0"/>
+              </a:rPr>
+              <a:t>12’d2499</a:t>
+            </a:r>
+          </a:p>
+        </p:txBody>
+      </p:sp>
+      <p:cxnSp>
+        <p:nvCxnSpPr>
+          <p:cNvPr id="431" name="Straight Connector 430"/>
+          <p:cNvCxnSpPr/>
+          <p:nvPr/>
+        </p:nvCxnSpPr>
+        <p:spPr>
+          <a:xfrm>
+            <a:off x="1600200" y="5410200"/>
+            <a:ext cx="304800" cy="0"/>
+          </a:xfrm>
+          <a:prstGeom prst="line">
+            <a:avLst/>
+          </a:prstGeom>
+          <a:ln w="12700">
+            <a:solidFill>
+              <a:srgbClr val="000000"/>
+            </a:solidFill>
+            <a:headEnd type="none" w="med" len="med"/>
+            <a:tailEnd type="triangle" w="med" len="med"/>
+          </a:ln>
+        </p:spPr>
+        <p:style>
+          <a:lnRef idx="1">
+            <a:schemeClr val="accent1"/>
+          </a:lnRef>
+          <a:fillRef idx="0">
+            <a:schemeClr val="accent1"/>
+          </a:fillRef>
+          <a:effectRef idx="0">
+            <a:schemeClr val="accent1"/>
+          </a:effectRef>
+          <a:fontRef idx="minor">
+            <a:schemeClr val="tx1"/>
+          </a:fontRef>
+        </p:style>
+      </p:cxnSp>
+      <p:sp>
+        <p:nvSpPr>
+          <p:cNvPr id="433" name="Rectangle 432"/>
+          <p:cNvSpPr/>
+          <p:nvPr/>
+        </p:nvSpPr>
+        <p:spPr>
+          <a:xfrm>
+            <a:off x="1295400" y="5257800"/>
+            <a:ext cx="457200" cy="152400"/>
+          </a:xfrm>
+          <a:prstGeom prst="rect">
+            <a:avLst/>
+          </a:prstGeom>
+          <a:noFill/>
+          <a:ln>
+            <a:noFill/>
+          </a:ln>
+        </p:spPr>
+        <p:style>
+          <a:lnRef idx="2">
+            <a:schemeClr val="accent1">
+              <a:shade val="50000"/>
+            </a:schemeClr>
+          </a:lnRef>
+          <a:fillRef idx="1">
+            <a:schemeClr val="accent1"/>
+          </a:fillRef>
+          <a:effectRef idx="0">
+            <a:schemeClr val="accent1"/>
+          </a:effectRef>
+          <a:fontRef idx="minor">
+            <a:schemeClr val="lt1"/>
+          </a:fontRef>
+        </p:style>
+        <p:txBody>
+          <a:bodyPr wrap="none" lIns="45720" rIns="45720" rtlCol="0" anchor="ctr"/>
+          <a:lstStyle/>
+          <a:p>
+            <a:pPr algn="r"/>
+            <a:r>
+              <a:rPr lang="en-US" sz="900" dirty="0">
+                <a:solidFill>
+                  <a:srgbClr val="000000"/>
+                </a:solidFill>
+                <a:latin typeface="Courier New" panose="02070309020205020404" pitchFamily="49" charset="0"/>
+                <a:cs typeface="Courier New" panose="02070309020205020404" pitchFamily="49" charset="0"/>
+              </a:rPr>
+              <a:t>12’d2499</a:t>
+            </a:r>
+          </a:p>
+        </p:txBody>
+      </p:sp>
+      <p:cxnSp>
+        <p:nvCxnSpPr>
+          <p:cNvPr id="434" name="Straight Connector 433"/>
+          <p:cNvCxnSpPr/>
+          <p:nvPr/>
+        </p:nvCxnSpPr>
+        <p:spPr>
+          <a:xfrm>
+            <a:off x="1600200" y="7391400"/>
+            <a:ext cx="304800" cy="0"/>
+          </a:xfrm>
+          <a:prstGeom prst="line">
+            <a:avLst/>
+          </a:prstGeom>
+          <a:ln w="12700">
+            <a:solidFill>
+              <a:srgbClr val="000000"/>
+            </a:solidFill>
+            <a:headEnd type="none" w="med" len="med"/>
+            <a:tailEnd type="triangle" w="med" len="med"/>
+          </a:ln>
+        </p:spPr>
+        <p:style>
+          <a:lnRef idx="1">
+            <a:schemeClr val="accent1"/>
+          </a:lnRef>
+          <a:fillRef idx="0">
+            <a:schemeClr val="accent1"/>
+          </a:fillRef>
+          <a:effectRef idx="0">
+            <a:schemeClr val="accent1"/>
+          </a:effectRef>
+          <a:fontRef idx="minor">
+            <a:schemeClr val="tx1"/>
+          </a:fontRef>
+        </p:style>
+      </p:cxnSp>
+      <p:sp>
+        <p:nvSpPr>
+          <p:cNvPr id="445" name="Rectangle 444"/>
+          <p:cNvSpPr/>
+          <p:nvPr/>
+        </p:nvSpPr>
+        <p:spPr>
+          <a:xfrm>
+            <a:off x="1295400" y="7239000"/>
+            <a:ext cx="457200" cy="152400"/>
+          </a:xfrm>
+          <a:prstGeom prst="rect">
+            <a:avLst/>
+          </a:prstGeom>
+          <a:noFill/>
+          <a:ln>
+            <a:noFill/>
+          </a:ln>
+        </p:spPr>
+        <p:style>
+          <a:lnRef idx="2">
+            <a:schemeClr val="accent1">
+              <a:shade val="50000"/>
+            </a:schemeClr>
+          </a:lnRef>
+          <a:fillRef idx="1">
+            <a:schemeClr val="accent1"/>
+          </a:fillRef>
+          <a:effectRef idx="0">
+            <a:schemeClr val="accent1"/>
+          </a:effectRef>
+          <a:fontRef idx="minor">
+            <a:schemeClr val="lt1"/>
+          </a:fontRef>
+        </p:style>
+        <p:txBody>
+          <a:bodyPr wrap="none" lIns="45720" rIns="45720" rtlCol="0" anchor="ctr"/>
+          <a:lstStyle/>
+          <a:p>
+            <a:pPr algn="r"/>
+            <a:r>
+              <a:rPr lang="en-US" sz="900" dirty="0">
+                <a:solidFill>
+                  <a:srgbClr val="000000"/>
+                </a:solidFill>
+                <a:latin typeface="Courier New" panose="02070309020205020404" pitchFamily="49" charset="0"/>
+                <a:cs typeface="Courier New" panose="02070309020205020404" pitchFamily="49" charset="0"/>
+              </a:rPr>
+              <a:t>12’d2499</a:t>
+            </a:r>
+          </a:p>
+        </p:txBody>
+      </p:sp>
+      <p:cxnSp>
+        <p:nvCxnSpPr>
+          <p:cNvPr id="446" name="Straight Connector 445"/>
+          <p:cNvCxnSpPr/>
+          <p:nvPr/>
+        </p:nvCxnSpPr>
+        <p:spPr>
+          <a:xfrm flipV="1">
+            <a:off x="7010400" y="14630400"/>
+            <a:ext cx="152399" cy="152399"/>
+          </a:xfrm>
+          <a:prstGeom prst="line">
+            <a:avLst/>
+          </a:prstGeom>
+          <a:ln w="12700">
+            <a:solidFill>
+              <a:srgbClr val="000000"/>
+            </a:solidFill>
+            <a:headEnd type="none" w="med" len="med"/>
+            <a:tailEnd type="none" w="med" len="med"/>
+          </a:ln>
+        </p:spPr>
+        <p:style>
+          <a:lnRef idx="1">
+            <a:schemeClr val="accent1"/>
+          </a:lnRef>
+          <a:fillRef idx="0">
+            <a:schemeClr val="accent1"/>
+          </a:fillRef>
+          <a:effectRef idx="0">
+            <a:schemeClr val="accent1"/>
+          </a:effectRef>
+          <a:fontRef idx="minor">
+            <a:schemeClr val="tx1"/>
+          </a:fontRef>
+        </p:style>
+      </p:cxnSp>
+      <p:sp>
+        <p:nvSpPr>
+          <p:cNvPr id="447" name="Rectangle 446"/>
+          <p:cNvSpPr/>
+          <p:nvPr/>
+        </p:nvSpPr>
+        <p:spPr>
+          <a:xfrm>
+            <a:off x="6934200" y="14630399"/>
+            <a:ext cx="152399" cy="76201"/>
+          </a:xfrm>
+          <a:prstGeom prst="rect">
+            <a:avLst/>
+          </a:prstGeom>
+          <a:noFill/>
+          <a:ln>
+            <a:noFill/>
+          </a:ln>
+        </p:spPr>
+        <p:style>
+          <a:lnRef idx="2">
+            <a:schemeClr val="accent1">
+              <a:shade val="50000"/>
+            </a:schemeClr>
+          </a:lnRef>
+          <a:fillRef idx="1">
+            <a:schemeClr val="accent1"/>
+          </a:fillRef>
+          <a:effectRef idx="0">
+            <a:schemeClr val="accent1"/>
+          </a:effectRef>
+          <a:fontRef idx="minor">
+            <a:schemeClr val="lt1"/>
+          </a:fontRef>
+        </p:style>
+        <p:txBody>
+          <a:bodyPr wrap="none" lIns="45720" rIns="45720" rtlCol="0" anchor="ctr"/>
+          <a:lstStyle/>
+          <a:p>
+            <a:pPr algn="ctr"/>
+            <a:r>
+              <a:rPr lang="en-US" sz="900" dirty="0">
+                <a:solidFill>
+                  <a:srgbClr val="000000"/>
+                </a:solidFill>
+                <a:latin typeface="Courier New" panose="02070309020205020404" pitchFamily="49" charset="0"/>
+                <a:cs typeface="Courier New" panose="02070309020205020404" pitchFamily="49" charset="0"/>
+              </a:rPr>
+              <a:t>1</a:t>
+            </a:r>
+          </a:p>
+        </p:txBody>
+      </p:sp>
+      <p:sp>
+        <p:nvSpPr>
+          <p:cNvPr id="448" name="Rectangle 447"/>
+          <p:cNvSpPr/>
+          <p:nvPr/>
+        </p:nvSpPr>
+        <p:spPr>
+          <a:xfrm rot="5400000">
+            <a:off x="6934199" y="14935201"/>
+            <a:ext cx="457200" cy="152399"/>
+          </a:xfrm>
+          <a:prstGeom prst="rect">
+            <a:avLst/>
+          </a:prstGeom>
+          <a:noFill/>
+          <a:ln>
+            <a:noFill/>
+          </a:ln>
+        </p:spPr>
+        <p:style>
+          <a:lnRef idx="2">
+            <a:schemeClr val="accent1">
+              <a:shade val="50000"/>
+            </a:schemeClr>
+          </a:lnRef>
+          <a:fillRef idx="1">
+            <a:schemeClr val="accent1"/>
+          </a:fillRef>
+          <a:effectRef idx="0">
+            <a:schemeClr val="accent1"/>
+          </a:effectRef>
+          <a:fontRef idx="minor">
+            <a:schemeClr val="lt1"/>
+          </a:fontRef>
+        </p:style>
+        <p:txBody>
+          <a:bodyPr wrap="none" lIns="45720" rIns="45720" rtlCol="0" anchor="ctr"/>
+          <a:lstStyle/>
+          <a:p>
+            <a:r>
+              <a:rPr lang="en-US" sz="900" dirty="0" err="1" smtClean="0">
+                <a:solidFill>
+                  <a:srgbClr val="000000"/>
+                </a:solidFill>
+                <a:latin typeface="Courier New" panose="02070309020205020404" pitchFamily="49" charset="0"/>
+                <a:cs typeface="Courier New" panose="02070309020205020404" pitchFamily="49" charset="0"/>
+              </a:rPr>
+              <a:t>clsq</a:t>
+            </a:r>
+            <a:endParaRPr lang="en-US" sz="900" dirty="0">
+              <a:solidFill>
+                <a:srgbClr val="000000"/>
+              </a:solidFill>
+              <a:latin typeface="Courier New" panose="02070309020205020404" pitchFamily="49" charset="0"/>
+              <a:cs typeface="Courier New" panose="02070309020205020404" pitchFamily="49" charset="0"/>
+            </a:endParaRPr>
           </a:p>
         </p:txBody>
       </p:sp>

--- a/0090_ber/rtl/schematic/button_ctrl.pptx
+++ b/0090_ber/rtl/schematic/button_ctrl.pptx
@@ -197,7 +197,7 @@
           <a:p>
             <a:fld id="{B9E5BF02-4A65-43B2-AA51-912306618617}" type="datetimeFigureOut">
               <a:rPr lang="en-US" smtClean="0"/>
-              <a:t>10/10/2017</a:t>
+              <a:t>10/12/2017</a:t>
             </a:fld>
             <a:endParaRPr lang="en-US"/>
           </a:p>
@@ -685,7 +685,7 @@
           <a:p>
             <a:fld id="{F8F920B2-3E99-4C9D-9450-62A3DEC5476B}" type="datetimeFigureOut">
               <a:rPr lang="en-US" smtClean="0"/>
-              <a:t>10/10/2017</a:t>
+              <a:t>10/12/2017</a:t>
             </a:fld>
             <a:endParaRPr lang="en-US"/>
           </a:p>
@@ -855,7 +855,7 @@
           <a:p>
             <a:fld id="{F8F920B2-3E99-4C9D-9450-62A3DEC5476B}" type="datetimeFigureOut">
               <a:rPr lang="en-US" smtClean="0"/>
-              <a:t>10/10/2017</a:t>
+              <a:t>10/12/2017</a:t>
             </a:fld>
             <a:endParaRPr lang="en-US"/>
           </a:p>
@@ -1035,7 +1035,7 @@
           <a:p>
             <a:fld id="{F8F920B2-3E99-4C9D-9450-62A3DEC5476B}" type="datetimeFigureOut">
               <a:rPr lang="en-US" smtClean="0"/>
-              <a:t>10/10/2017</a:t>
+              <a:t>10/12/2017</a:t>
             </a:fld>
             <a:endParaRPr lang="en-US"/>
           </a:p>
@@ -1205,7 +1205,7 @@
           <a:p>
             <a:fld id="{F8F920B2-3E99-4C9D-9450-62A3DEC5476B}" type="datetimeFigureOut">
               <a:rPr lang="en-US" smtClean="0"/>
-              <a:t>10/10/2017</a:t>
+              <a:t>10/12/2017</a:t>
             </a:fld>
             <a:endParaRPr lang="en-US"/>
           </a:p>
@@ -1449,7 +1449,7 @@
           <a:p>
             <a:fld id="{F8F920B2-3E99-4C9D-9450-62A3DEC5476B}" type="datetimeFigureOut">
               <a:rPr lang="en-US" smtClean="0"/>
-              <a:t>10/10/2017</a:t>
+              <a:t>10/12/2017</a:t>
             </a:fld>
             <a:endParaRPr lang="en-US"/>
           </a:p>
@@ -1681,7 +1681,7 @@
           <a:p>
             <a:fld id="{F8F920B2-3E99-4C9D-9450-62A3DEC5476B}" type="datetimeFigureOut">
               <a:rPr lang="en-US" smtClean="0"/>
-              <a:t>10/10/2017</a:t>
+              <a:t>10/12/2017</a:t>
             </a:fld>
             <a:endParaRPr lang="en-US"/>
           </a:p>
@@ -2048,7 +2048,7 @@
           <a:p>
             <a:fld id="{F8F920B2-3E99-4C9D-9450-62A3DEC5476B}" type="datetimeFigureOut">
               <a:rPr lang="en-US" smtClean="0"/>
-              <a:t>10/10/2017</a:t>
+              <a:t>10/12/2017</a:t>
             </a:fld>
             <a:endParaRPr lang="en-US"/>
           </a:p>
@@ -2166,7 +2166,7 @@
           <a:p>
             <a:fld id="{F8F920B2-3E99-4C9D-9450-62A3DEC5476B}" type="datetimeFigureOut">
               <a:rPr lang="en-US" smtClean="0"/>
-              <a:t>10/10/2017</a:t>
+              <a:t>10/12/2017</a:t>
             </a:fld>
             <a:endParaRPr lang="en-US"/>
           </a:p>
@@ -2261,7 +2261,7 @@
           <a:p>
             <a:fld id="{F8F920B2-3E99-4C9D-9450-62A3DEC5476B}" type="datetimeFigureOut">
               <a:rPr lang="en-US" smtClean="0"/>
-              <a:t>10/10/2017</a:t>
+              <a:t>10/12/2017</a:t>
             </a:fld>
             <a:endParaRPr lang="en-US"/>
           </a:p>
@@ -2538,7 +2538,7 @@
           <a:p>
             <a:fld id="{F8F920B2-3E99-4C9D-9450-62A3DEC5476B}" type="datetimeFigureOut">
               <a:rPr lang="en-US" smtClean="0"/>
-              <a:t>10/10/2017</a:t>
+              <a:t>10/12/2017</a:t>
             </a:fld>
             <a:endParaRPr lang="en-US"/>
           </a:p>
@@ -2795,7 +2795,7 @@
           <a:p>
             <a:fld id="{F8F920B2-3E99-4C9D-9450-62A3DEC5476B}" type="datetimeFigureOut">
               <a:rPr lang="en-US" smtClean="0"/>
-              <a:t>10/10/2017</a:t>
+              <a:t>10/12/2017</a:t>
             </a:fld>
             <a:endParaRPr lang="en-US"/>
           </a:p>
@@ -3008,7 +3008,7 @@
           <a:p>
             <a:fld id="{F8F920B2-3E99-4C9D-9450-62A3DEC5476B}" type="datetimeFigureOut">
               <a:rPr lang="en-US" smtClean="0"/>
-              <a:t>10/10/2017</a:t>
+              <a:t>10/12/2017</a:t>
             </a:fld>
             <a:endParaRPr lang="en-US"/>
           </a:p>
@@ -3921,8 +3921,25 @@
                 <a:latin typeface="Courier New" panose="02070309020205020404" pitchFamily="49" charset="0"/>
                 <a:cs typeface="Courier New" panose="02070309020205020404" pitchFamily="49" charset="0"/>
               </a:rPr>
-              <a:t>#( .BW(12)</a:t>
-            </a:r>
+              <a:t>#( .</a:t>
+            </a:r>
+            <a:r>
+              <a:rPr lang="en-US" sz="900" dirty="0" smtClean="0">
+                <a:solidFill>
+                  <a:srgbClr val="000000"/>
+                </a:solidFill>
+                <a:latin typeface="Courier New" panose="02070309020205020404" pitchFamily="49" charset="0"/>
+                <a:cs typeface="Courier New" panose="02070309020205020404" pitchFamily="49" charset="0"/>
+              </a:rPr>
+              <a:t>BW(15)</a:t>
+            </a:r>
+            <a:endParaRPr lang="en-US" sz="900" dirty="0">
+              <a:solidFill>
+                <a:srgbClr val="000000"/>
+              </a:solidFill>
+              <a:latin typeface="Courier New" panose="02070309020205020404" pitchFamily="49" charset="0"/>
+              <a:cs typeface="Courier New" panose="02070309020205020404" pitchFamily="49" charset="0"/>
+            </a:endParaRPr>
           </a:p>
           <a:p>
             <a:r>
@@ -7986,8 +8003,25 @@
                 <a:latin typeface="Courier New" panose="02070309020205020404" pitchFamily="49" charset="0"/>
                 <a:cs typeface="Courier New" panose="02070309020205020404" pitchFamily="49" charset="0"/>
               </a:rPr>
-              <a:t>#( .BW(12)</a:t>
-            </a:r>
+              <a:t>#( .</a:t>
+            </a:r>
+            <a:r>
+              <a:rPr lang="en-US" sz="900" dirty="0" smtClean="0">
+                <a:solidFill>
+                  <a:srgbClr val="000000"/>
+                </a:solidFill>
+                <a:latin typeface="Courier New" panose="02070309020205020404" pitchFamily="49" charset="0"/>
+                <a:cs typeface="Courier New" panose="02070309020205020404" pitchFamily="49" charset="0"/>
+              </a:rPr>
+              <a:t>BW(15)</a:t>
+            </a:r>
+            <a:endParaRPr lang="en-US" sz="900" dirty="0">
+              <a:solidFill>
+                <a:srgbClr val="000000"/>
+              </a:solidFill>
+              <a:latin typeface="Courier New" panose="02070309020205020404" pitchFamily="49" charset="0"/>
+              <a:cs typeface="Courier New" panose="02070309020205020404" pitchFamily="49" charset="0"/>
+            </a:endParaRPr>
           </a:p>
           <a:p>
             <a:r>
@@ -8951,8 +8985,25 @@
                 <a:latin typeface="Courier New" panose="02070309020205020404" pitchFamily="49" charset="0"/>
                 <a:cs typeface="Courier New" panose="02070309020205020404" pitchFamily="49" charset="0"/>
               </a:rPr>
-              <a:t>#( .BW(12)</a:t>
-            </a:r>
+              <a:t>#( .</a:t>
+            </a:r>
+            <a:r>
+              <a:rPr lang="en-US" sz="900" dirty="0" smtClean="0">
+                <a:solidFill>
+                  <a:srgbClr val="000000"/>
+                </a:solidFill>
+                <a:latin typeface="Courier New" panose="02070309020205020404" pitchFamily="49" charset="0"/>
+                <a:cs typeface="Courier New" panose="02070309020205020404" pitchFamily="49" charset="0"/>
+              </a:rPr>
+              <a:t>BW(15)</a:t>
+            </a:r>
+            <a:endParaRPr lang="en-US" sz="900" dirty="0">
+              <a:solidFill>
+                <a:srgbClr val="000000"/>
+              </a:solidFill>
+              <a:latin typeface="Courier New" panose="02070309020205020404" pitchFamily="49" charset="0"/>
+              <a:cs typeface="Courier New" panose="02070309020205020404" pitchFamily="49" charset="0"/>
+            </a:endParaRPr>
           </a:p>
           <a:p>
             <a:r>
@@ -20500,15 +20551,22 @@
           <a:p>
             <a:pPr algn="r"/>
             <a:r>
-              <a:rPr lang="en-US" sz="900" dirty="0">
+              <a:rPr lang="en-US" sz="900" dirty="0" smtClean="0">
                 <a:solidFill>
                   <a:srgbClr val="000000"/>
                 </a:solidFill>
                 <a:latin typeface="Courier New" panose="02070309020205020404" pitchFamily="49" charset="0"/>
                 <a:cs typeface="Courier New" panose="02070309020205020404" pitchFamily="49" charset="0"/>
               </a:rPr>
-              <a:t>12’d2499</a:t>
-            </a:r>
+              <a:t>15’d20000</a:t>
+            </a:r>
+            <a:endParaRPr lang="en-US" sz="900" dirty="0">
+              <a:solidFill>
+                <a:srgbClr val="000000"/>
+              </a:solidFill>
+              <a:latin typeface="Courier New" panose="02070309020205020404" pitchFamily="49" charset="0"/>
+              <a:cs typeface="Courier New" panose="02070309020205020404" pitchFamily="49" charset="0"/>
+            </a:endParaRPr>
           </a:p>
         </p:txBody>
       </p:sp>
@@ -20590,15 +20648,22 @@
           <a:p>
             <a:pPr algn="r"/>
             <a:r>
-              <a:rPr lang="en-US" sz="900" dirty="0">
+              <a:rPr lang="en-US" sz="900" dirty="0" smtClean="0">
                 <a:solidFill>
                   <a:srgbClr val="000000"/>
                 </a:solidFill>
                 <a:latin typeface="Courier New" panose="02070309020205020404" pitchFamily="49" charset="0"/>
                 <a:cs typeface="Courier New" panose="02070309020205020404" pitchFamily="49" charset="0"/>
               </a:rPr>
-              <a:t>12’d2499</a:t>
-            </a:r>
+              <a:t>15’d20000</a:t>
+            </a:r>
+            <a:endParaRPr lang="en-US" sz="900" dirty="0">
+              <a:solidFill>
+                <a:srgbClr val="000000"/>
+              </a:solidFill>
+              <a:latin typeface="Courier New" panose="02070309020205020404" pitchFamily="49" charset="0"/>
+              <a:cs typeface="Courier New" panose="02070309020205020404" pitchFamily="49" charset="0"/>
+            </a:endParaRPr>
           </a:p>
         </p:txBody>
       </p:sp>
@@ -20680,15 +20745,22 @@
           <a:p>
             <a:pPr algn="r"/>
             <a:r>
-              <a:rPr lang="en-US" sz="900" dirty="0">
+              <a:rPr lang="en-US" sz="900" smtClean="0">
                 <a:solidFill>
                   <a:srgbClr val="000000"/>
                 </a:solidFill>
                 <a:latin typeface="Courier New" panose="02070309020205020404" pitchFamily="49" charset="0"/>
                 <a:cs typeface="Courier New" panose="02070309020205020404" pitchFamily="49" charset="0"/>
               </a:rPr>
-              <a:t>12’d2499</a:t>
-            </a:r>
+              <a:t>15’d20000</a:t>
+            </a:r>
+            <a:endParaRPr lang="en-US" sz="900" dirty="0">
+              <a:solidFill>
+                <a:srgbClr val="000000"/>
+              </a:solidFill>
+              <a:latin typeface="Courier New" panose="02070309020205020404" pitchFamily="49" charset="0"/>
+              <a:cs typeface="Courier New" panose="02070309020205020404" pitchFamily="49" charset="0"/>
+            </a:endParaRPr>
           </a:p>
         </p:txBody>
       </p:sp>
